--- a/literature_notes/ddnn-semi.pptx
+++ b/literature_notes/ddnn-semi.pptx
@@ -13,6 +13,20 @@
     <p:sldId id="261" r:id="rId7"/>
     <p:sldId id="262" r:id="rId8"/>
     <p:sldId id="263" r:id="rId9"/>
+    <p:sldId id="264" r:id="rId10"/>
+    <p:sldId id="265" r:id="rId11"/>
+    <p:sldId id="266" r:id="rId12"/>
+    <p:sldId id="268" r:id="rId13"/>
+    <p:sldId id="267" r:id="rId14"/>
+    <p:sldId id="269" r:id="rId15"/>
+    <p:sldId id="270" r:id="rId16"/>
+    <p:sldId id="271" r:id="rId17"/>
+    <p:sldId id="274" r:id="rId18"/>
+    <p:sldId id="272" r:id="rId19"/>
+    <p:sldId id="273" r:id="rId20"/>
+    <p:sldId id="276" r:id="rId21"/>
+    <p:sldId id="275" r:id="rId22"/>
+    <p:sldId id="277" r:id="rId23"/>
   </p:sldIdLst>
   <p:sldSz cx="12192000" cy="6858000"/>
   <p:notesSz cx="6858000" cy="9144000"/>
@@ -266,7 +280,7 @@
           <a:p>
             <a:fld id="{6CC6875B-4D8D-40E4-8957-FF2449D3636A}" type="datetimeFigureOut">
               <a:rPr lang="zh-CN" altLang="en-US" smtClean="0"/>
-              <a:t>2023/8/8</a:t>
+              <a:t>2023/9/17</a:t>
             </a:fld>
             <a:endParaRPr lang="zh-CN" altLang="en-US"/>
           </a:p>
@@ -464,7 +478,7 @@
           <a:p>
             <a:fld id="{6CC6875B-4D8D-40E4-8957-FF2449D3636A}" type="datetimeFigureOut">
               <a:rPr lang="zh-CN" altLang="en-US" smtClean="0"/>
-              <a:t>2023/8/8</a:t>
+              <a:t>2023/9/17</a:t>
             </a:fld>
             <a:endParaRPr lang="zh-CN" altLang="en-US"/>
           </a:p>
@@ -672,7 +686,7 @@
           <a:p>
             <a:fld id="{6CC6875B-4D8D-40E4-8957-FF2449D3636A}" type="datetimeFigureOut">
               <a:rPr lang="zh-CN" altLang="en-US" smtClean="0"/>
-              <a:t>2023/8/8</a:t>
+              <a:t>2023/9/17</a:t>
             </a:fld>
             <a:endParaRPr lang="zh-CN" altLang="en-US"/>
           </a:p>
@@ -870,7 +884,7 @@
           <a:p>
             <a:fld id="{6CC6875B-4D8D-40E4-8957-FF2449D3636A}" type="datetimeFigureOut">
               <a:rPr lang="zh-CN" altLang="en-US" smtClean="0"/>
-              <a:t>2023/8/8</a:t>
+              <a:t>2023/9/17</a:t>
             </a:fld>
             <a:endParaRPr lang="zh-CN" altLang="en-US"/>
           </a:p>
@@ -1145,7 +1159,7 @@
           <a:p>
             <a:fld id="{6CC6875B-4D8D-40E4-8957-FF2449D3636A}" type="datetimeFigureOut">
               <a:rPr lang="zh-CN" altLang="en-US" smtClean="0"/>
-              <a:t>2023/8/8</a:t>
+              <a:t>2023/9/17</a:t>
             </a:fld>
             <a:endParaRPr lang="zh-CN" altLang="en-US"/>
           </a:p>
@@ -1410,7 +1424,7 @@
           <a:p>
             <a:fld id="{6CC6875B-4D8D-40E4-8957-FF2449D3636A}" type="datetimeFigureOut">
               <a:rPr lang="zh-CN" altLang="en-US" smtClean="0"/>
-              <a:t>2023/8/8</a:t>
+              <a:t>2023/9/17</a:t>
             </a:fld>
             <a:endParaRPr lang="zh-CN" altLang="en-US"/>
           </a:p>
@@ -1822,7 +1836,7 @@
           <a:p>
             <a:fld id="{6CC6875B-4D8D-40E4-8957-FF2449D3636A}" type="datetimeFigureOut">
               <a:rPr lang="zh-CN" altLang="en-US" smtClean="0"/>
-              <a:t>2023/8/8</a:t>
+              <a:t>2023/9/17</a:t>
             </a:fld>
             <a:endParaRPr lang="zh-CN" altLang="en-US"/>
           </a:p>
@@ -1963,7 +1977,7 @@
           <a:p>
             <a:fld id="{6CC6875B-4D8D-40E4-8957-FF2449D3636A}" type="datetimeFigureOut">
               <a:rPr lang="zh-CN" altLang="en-US" smtClean="0"/>
-              <a:t>2023/8/8</a:t>
+              <a:t>2023/9/17</a:t>
             </a:fld>
             <a:endParaRPr lang="zh-CN" altLang="en-US"/>
           </a:p>
@@ -2076,7 +2090,7 @@
           <a:p>
             <a:fld id="{6CC6875B-4D8D-40E4-8957-FF2449D3636A}" type="datetimeFigureOut">
               <a:rPr lang="zh-CN" altLang="en-US" smtClean="0"/>
-              <a:t>2023/8/8</a:t>
+              <a:t>2023/9/17</a:t>
             </a:fld>
             <a:endParaRPr lang="zh-CN" altLang="en-US"/>
           </a:p>
@@ -2387,7 +2401,7 @@
           <a:p>
             <a:fld id="{6CC6875B-4D8D-40E4-8957-FF2449D3636A}" type="datetimeFigureOut">
               <a:rPr lang="zh-CN" altLang="en-US" smtClean="0"/>
-              <a:t>2023/8/8</a:t>
+              <a:t>2023/9/17</a:t>
             </a:fld>
             <a:endParaRPr lang="zh-CN" altLang="en-US"/>
           </a:p>
@@ -2675,7 +2689,7 @@
           <a:p>
             <a:fld id="{6CC6875B-4D8D-40E4-8957-FF2449D3636A}" type="datetimeFigureOut">
               <a:rPr lang="zh-CN" altLang="en-US" smtClean="0"/>
-              <a:t>2023/8/8</a:t>
+              <a:t>2023/9/17</a:t>
             </a:fld>
             <a:endParaRPr lang="zh-CN" altLang="en-US"/>
           </a:p>
@@ -2916,7 +2930,7 @@
           <a:p>
             <a:fld id="{6CC6875B-4D8D-40E4-8957-FF2449D3636A}" type="datetimeFigureOut">
               <a:rPr lang="zh-CN" altLang="en-US" smtClean="0"/>
-              <a:t>2023/8/8</a:t>
+              <a:t>2023/9/17</a:t>
             </a:fld>
             <a:endParaRPr lang="zh-CN" altLang="en-US"/>
           </a:p>
@@ -3452,6 +3466,1606 @@
 </p:sld>
 </file>
 
+<file path=ppt/slides/slide10.xml><?xml version="1.0" encoding="utf-8"?>
+<p:sld xmlns:a="http://schemas.openxmlformats.org/drawingml/2006/main" xmlns:r="http://schemas.openxmlformats.org/officeDocument/2006/relationships" xmlns:p="http://schemas.openxmlformats.org/presentationml/2006/main">
+  <p:cSld>
+    <p:spTree>
+      <p:nvGrpSpPr>
+        <p:cNvPr id="1" name=""/>
+        <p:cNvGrpSpPr/>
+        <p:nvPr/>
+      </p:nvGrpSpPr>
+      <p:grpSpPr>
+        <a:xfrm>
+          <a:off x="0" y="0"/>
+          <a:ext cx="0" cy="0"/>
+          <a:chOff x="0" y="0"/>
+          <a:chExt cx="0" cy="0"/>
+        </a:xfrm>
+      </p:grpSpPr>
+      <p:sp>
+        <p:nvSpPr>
+          <p:cNvPr id="2" name="标题 1">
+            <a:extLst>
+              <a:ext uri="{FF2B5EF4-FFF2-40B4-BE49-F238E27FC236}">
+                <a16:creationId xmlns:a16="http://schemas.microsoft.com/office/drawing/2014/main" id="{E7C629B4-149A-63B6-FE65-8B162E929405}"/>
+              </a:ext>
+            </a:extLst>
+          </p:cNvPr>
+          <p:cNvSpPr>
+            <a:spLocks noGrp="1"/>
+          </p:cNvSpPr>
+          <p:nvPr>
+            <p:ph type="title"/>
+          </p:nvPr>
+        </p:nvSpPr>
+        <p:spPr/>
+        <p:txBody>
+          <a:bodyPr/>
+          <a:lstStyle/>
+          <a:p>
+            <a:r>
+              <a:rPr lang="zh-CN" altLang="en-US" dirty="0"/>
+              <a:t>生成对抗网络（</a:t>
+            </a:r>
+            <a:r>
+              <a:rPr lang="en-US" altLang="zh-CN" dirty="0"/>
+              <a:t>GAN</a:t>
+            </a:r>
+            <a:r>
+              <a:rPr lang="zh-CN" altLang="en-US" dirty="0"/>
+              <a:t>）</a:t>
+            </a:r>
+          </a:p>
+        </p:txBody>
+      </p:sp>
+      <p:sp>
+        <p:nvSpPr>
+          <p:cNvPr id="3" name="内容占位符 2">
+            <a:extLst>
+              <a:ext uri="{FF2B5EF4-FFF2-40B4-BE49-F238E27FC236}">
+                <a16:creationId xmlns:a16="http://schemas.microsoft.com/office/drawing/2014/main" id="{7377E9FC-00AB-C41A-8703-28C4528C99CC}"/>
+              </a:ext>
+            </a:extLst>
+          </p:cNvPr>
+          <p:cNvSpPr>
+            <a:spLocks noGrp="1"/>
+          </p:cNvSpPr>
+          <p:nvPr>
+            <p:ph idx="1"/>
+          </p:nvPr>
+        </p:nvSpPr>
+        <p:spPr/>
+        <p:txBody>
+          <a:bodyPr/>
+          <a:lstStyle/>
+          <a:p>
+            <a:r>
+              <a:rPr lang="zh-CN" altLang="en-US" dirty="0"/>
+              <a:t>信息熵介绍（长话长说）</a:t>
+            </a:r>
+          </a:p>
+        </p:txBody>
+      </p:sp>
+    </p:spTree>
+    <p:extLst>
+      <p:ext uri="{BB962C8B-B14F-4D97-AF65-F5344CB8AC3E}">
+        <p14:creationId xmlns:p14="http://schemas.microsoft.com/office/powerpoint/2010/main" val="2054584132"/>
+      </p:ext>
+    </p:extLst>
+  </p:cSld>
+  <p:clrMapOvr>
+    <a:masterClrMapping/>
+  </p:clrMapOvr>
+</p:sld>
+</file>
+
+<file path=ppt/slides/slide11.xml><?xml version="1.0" encoding="utf-8"?>
+<p:sld xmlns:a="http://schemas.openxmlformats.org/drawingml/2006/main" xmlns:r="http://schemas.openxmlformats.org/officeDocument/2006/relationships" xmlns:p="http://schemas.openxmlformats.org/presentationml/2006/main">
+  <p:cSld>
+    <p:spTree>
+      <p:nvGrpSpPr>
+        <p:cNvPr id="1" name=""/>
+        <p:cNvGrpSpPr/>
+        <p:nvPr/>
+      </p:nvGrpSpPr>
+      <p:grpSpPr>
+        <a:xfrm>
+          <a:off x="0" y="0"/>
+          <a:ext cx="0" cy="0"/>
+          <a:chOff x="0" y="0"/>
+          <a:chExt cx="0" cy="0"/>
+        </a:xfrm>
+      </p:grpSpPr>
+      <p:sp>
+        <p:nvSpPr>
+          <p:cNvPr id="2" name="标题 1">
+            <a:extLst>
+              <a:ext uri="{FF2B5EF4-FFF2-40B4-BE49-F238E27FC236}">
+                <a16:creationId xmlns:a16="http://schemas.microsoft.com/office/drawing/2014/main" id="{8F879AF9-6FB2-51EB-B8D7-F5BA233E4B08}"/>
+              </a:ext>
+            </a:extLst>
+          </p:cNvPr>
+          <p:cNvSpPr>
+            <a:spLocks noGrp="1"/>
+          </p:cNvSpPr>
+          <p:nvPr>
+            <p:ph type="title"/>
+          </p:nvPr>
+        </p:nvSpPr>
+        <p:spPr/>
+        <p:txBody>
+          <a:bodyPr>
+            <a:normAutofit fontScale="90000"/>
+          </a:bodyPr>
+          <a:lstStyle/>
+          <a:p>
+            <a:r>
+              <a:rPr lang="en-US" altLang="zh-CN" dirty="0"/>
+              <a:t>Cross-subject transfer learning in human activity recognition systems using generative adversarial networks </a:t>
+            </a:r>
+            <a:r>
+              <a:rPr lang="en-US" altLang="zh-CN" b="1" i="1" dirty="0"/>
+              <a:t>Neurocomputing 2021</a:t>
+            </a:r>
+            <a:endParaRPr lang="zh-CN" altLang="en-US" b="1" i="1" dirty="0"/>
+          </a:p>
+        </p:txBody>
+      </p:sp>
+      <p:sp>
+        <p:nvSpPr>
+          <p:cNvPr id="3" name="内容占位符 2">
+            <a:extLst>
+              <a:ext uri="{FF2B5EF4-FFF2-40B4-BE49-F238E27FC236}">
+                <a16:creationId xmlns:a16="http://schemas.microsoft.com/office/drawing/2014/main" id="{70532ABC-67A6-F88F-F2B7-2351CB6EBDE2}"/>
+              </a:ext>
+            </a:extLst>
+          </p:cNvPr>
+          <p:cNvSpPr>
+            <a:spLocks noGrp="1"/>
+          </p:cNvSpPr>
+          <p:nvPr>
+            <p:ph idx="1"/>
+          </p:nvPr>
+        </p:nvSpPr>
+        <p:spPr/>
+        <p:txBody>
+          <a:bodyPr>
+            <a:normAutofit lnSpcReduction="10000"/>
+          </a:bodyPr>
+          <a:lstStyle/>
+          <a:p>
+            <a:r>
+              <a:rPr lang="zh-CN" altLang="en-US" dirty="0"/>
+              <a:t>平滑假设，迁移学习</a:t>
+            </a:r>
+            <a:endParaRPr lang="en-US" altLang="zh-CN" dirty="0"/>
+          </a:p>
+          <a:p>
+            <a:r>
+              <a:rPr lang="zh-CN" altLang="en-US" dirty="0"/>
+              <a:t>生成的媒介：</a:t>
+            </a:r>
+            <a:r>
+              <a:rPr lang="en-US" altLang="zh-CN" dirty="0"/>
+              <a:t>GAN</a:t>
+            </a:r>
+            <a:r>
+              <a:rPr lang="zh-CN" altLang="en-US" dirty="0"/>
+              <a:t>的原版，修改了损失函数</a:t>
+            </a:r>
+            <a:r>
+              <a:rPr lang="en-US" altLang="zh-CN" dirty="0"/>
+              <a:t>log-&gt;</a:t>
+            </a:r>
+            <a:r>
+              <a:rPr lang="en-US" altLang="zh-CN" dirty="0" err="1"/>
+              <a:t>mse</a:t>
+            </a:r>
+            <a:endParaRPr lang="en-US" altLang="zh-CN" dirty="0"/>
+          </a:p>
+          <a:p>
+            <a:r>
+              <a:rPr lang="zh-CN" altLang="en-US" dirty="0"/>
+              <a:t>生成的原料：噪声</a:t>
+            </a:r>
+            <a:r>
+              <a:rPr lang="en-US" altLang="zh-CN" dirty="0"/>
+              <a:t>+</a:t>
+            </a:r>
+            <a:r>
+              <a:rPr lang="zh-CN" altLang="en-US" dirty="0"/>
+              <a:t>源域数据</a:t>
+            </a:r>
+            <a:endParaRPr lang="en-US" altLang="zh-CN" dirty="0"/>
+          </a:p>
+          <a:p>
+            <a:r>
+              <a:rPr lang="zh-CN" altLang="en-US" dirty="0"/>
+              <a:t>生成的出品：由源域</a:t>
+            </a:r>
+            <a:r>
+              <a:rPr lang="en-US" altLang="zh-CN" dirty="0"/>
+              <a:t>+</a:t>
+            </a:r>
+            <a:r>
+              <a:rPr lang="zh-CN" altLang="en-US" dirty="0"/>
+              <a:t>噪声</a:t>
+            </a:r>
+            <a:r>
+              <a:rPr lang="en-US" altLang="zh-CN" dirty="0"/>
+              <a:t>(</a:t>
+            </a:r>
+            <a:r>
+              <a:rPr lang="zh-CN" altLang="en-US" dirty="0"/>
+              <a:t>正态</a:t>
+            </a:r>
+            <a:r>
+              <a:rPr lang="en-US" altLang="zh-CN" dirty="0"/>
+              <a:t>)</a:t>
+            </a:r>
+            <a:r>
+              <a:rPr lang="zh-CN" altLang="en-US" dirty="0"/>
+              <a:t>伪造的数据，被认为还是源域，拥有源域一致的伪标签</a:t>
+            </a:r>
+            <a:endParaRPr lang="en-US" altLang="zh-CN" dirty="0"/>
+          </a:p>
+          <a:p>
+            <a:r>
+              <a:rPr lang="en-US" altLang="zh-CN" dirty="0"/>
+              <a:t>GAN</a:t>
+            </a:r>
+            <a:r>
+              <a:rPr lang="zh-CN" altLang="en-US" dirty="0"/>
+              <a:t>的目标，对于“目标域数据</a:t>
+            </a:r>
+            <a:r>
+              <a:rPr lang="en-US" altLang="zh-CN" dirty="0"/>
+              <a:t>vs</a:t>
+            </a:r>
+            <a:r>
+              <a:rPr lang="zh-CN" altLang="en-US" dirty="0"/>
+              <a:t>伪造的数据”，辨别器达到</a:t>
+            </a:r>
+            <a:r>
+              <a:rPr lang="en-US" altLang="zh-CN" dirty="0"/>
+              <a:t>50%</a:t>
+            </a:r>
+            <a:r>
+              <a:rPr lang="zh-CN" altLang="en-US" dirty="0"/>
+              <a:t>的正确率（原版），则认为此时已“真假难分”</a:t>
+            </a:r>
+            <a:endParaRPr lang="en-US" altLang="zh-CN" dirty="0"/>
+          </a:p>
+          <a:p>
+            <a:r>
+              <a:rPr lang="zh-CN" altLang="en-US" dirty="0"/>
+              <a:t>伪造的数据既要与目标域数据“真假难分”，又要拥有源域一致的伪标签，</a:t>
+            </a:r>
+            <a:r>
+              <a:rPr lang="zh-CN" altLang="en-US" b="1" i="1" dirty="0">
+                <a:solidFill>
+                  <a:srgbClr val="FF0000"/>
+                </a:solidFill>
+              </a:rPr>
+              <a:t>可以得到：伪造的数据分布最终会和目标域数据分布很相似，对于“相似”文中并没有度量</a:t>
+            </a:r>
+            <a:r>
+              <a:rPr lang="zh-CN" altLang="en-US" dirty="0"/>
+              <a:t>。</a:t>
+            </a:r>
+            <a:endParaRPr lang="en-US" altLang="zh-CN" dirty="0"/>
+          </a:p>
+          <a:p>
+            <a:endParaRPr lang="en-US" altLang="zh-CN" b="1" dirty="0"/>
+          </a:p>
+          <a:p>
+            <a:endParaRPr lang="zh-CN" altLang="en-US" dirty="0"/>
+          </a:p>
+        </p:txBody>
+      </p:sp>
+    </p:spTree>
+    <p:extLst>
+      <p:ext uri="{BB962C8B-B14F-4D97-AF65-F5344CB8AC3E}">
+        <p14:creationId xmlns:p14="http://schemas.microsoft.com/office/powerpoint/2010/main" val="3041825281"/>
+      </p:ext>
+    </p:extLst>
+  </p:cSld>
+  <p:clrMapOvr>
+    <a:masterClrMapping/>
+  </p:clrMapOvr>
+</p:sld>
+</file>
+
+<file path=ppt/slides/slide12.xml><?xml version="1.0" encoding="utf-8"?>
+<p:sld xmlns:a="http://schemas.openxmlformats.org/drawingml/2006/main" xmlns:r="http://schemas.openxmlformats.org/officeDocument/2006/relationships" xmlns:p="http://schemas.openxmlformats.org/presentationml/2006/main">
+  <p:cSld>
+    <p:spTree>
+      <p:nvGrpSpPr>
+        <p:cNvPr id="1" name=""/>
+        <p:cNvGrpSpPr/>
+        <p:nvPr/>
+      </p:nvGrpSpPr>
+      <p:grpSpPr>
+        <a:xfrm>
+          <a:off x="0" y="0"/>
+          <a:ext cx="0" cy="0"/>
+          <a:chOff x="0" y="0"/>
+          <a:chExt cx="0" cy="0"/>
+        </a:xfrm>
+      </p:grpSpPr>
+      <p:sp>
+        <p:nvSpPr>
+          <p:cNvPr id="2" name="标题 1">
+            <a:extLst>
+              <a:ext uri="{FF2B5EF4-FFF2-40B4-BE49-F238E27FC236}">
+                <a16:creationId xmlns:a16="http://schemas.microsoft.com/office/drawing/2014/main" id="{6E2F1A0A-C104-F33F-FD8C-C212090B2A77}"/>
+              </a:ext>
+            </a:extLst>
+          </p:cNvPr>
+          <p:cNvSpPr>
+            <a:spLocks noGrp="1"/>
+          </p:cNvSpPr>
+          <p:nvPr>
+            <p:ph type="title"/>
+          </p:nvPr>
+        </p:nvSpPr>
+        <p:spPr/>
+        <p:txBody>
+          <a:bodyPr/>
+          <a:lstStyle/>
+          <a:p>
+            <a:endParaRPr lang="zh-CN" altLang="en-US" dirty="0"/>
+          </a:p>
+        </p:txBody>
+      </p:sp>
+      <p:sp>
+        <p:nvSpPr>
+          <p:cNvPr id="3" name="内容占位符 2">
+            <a:extLst>
+              <a:ext uri="{FF2B5EF4-FFF2-40B4-BE49-F238E27FC236}">
+                <a16:creationId xmlns:a16="http://schemas.microsoft.com/office/drawing/2014/main" id="{D38750E7-4759-4B0A-023A-F5DB399209F6}"/>
+              </a:ext>
+            </a:extLst>
+          </p:cNvPr>
+          <p:cNvSpPr>
+            <a:spLocks noGrp="1"/>
+          </p:cNvSpPr>
+          <p:nvPr>
+            <p:ph idx="1"/>
+          </p:nvPr>
+        </p:nvSpPr>
+        <p:spPr>
+          <a:xfrm>
+            <a:off x="838200" y="1825625"/>
+            <a:ext cx="4267200" cy="4351338"/>
+          </a:xfrm>
+        </p:spPr>
+        <p:txBody>
+          <a:bodyPr>
+            <a:normAutofit/>
+          </a:bodyPr>
+          <a:lstStyle/>
+          <a:p>
+            <a:r>
+              <a:rPr lang="zh-CN" altLang="en-US" dirty="0"/>
+              <a:t>网络结构均为简单</a:t>
+            </a:r>
+            <a:r>
+              <a:rPr lang="en-US" altLang="zh-CN" dirty="0" err="1"/>
+              <a:t>cnn</a:t>
+            </a:r>
+            <a:endParaRPr lang="en-US" altLang="zh-CN" dirty="0"/>
+          </a:p>
+          <a:p>
+            <a:r>
+              <a:rPr lang="zh-CN" altLang="en-US" dirty="0"/>
+              <a:t>对滑窗使用</a:t>
+            </a:r>
+            <a:r>
+              <a:rPr lang="en-US" altLang="zh-CN" dirty="0"/>
+              <a:t>PCA</a:t>
+            </a:r>
+            <a:r>
+              <a:rPr lang="zh-CN" altLang="en-US" dirty="0"/>
+              <a:t>降维来减少复杂度</a:t>
+            </a:r>
+            <a:endParaRPr lang="en-US" altLang="zh-CN" dirty="0"/>
+          </a:p>
+          <a:p>
+            <a:r>
+              <a:rPr lang="zh-CN" altLang="en-US" dirty="0"/>
+              <a:t>单数据集</a:t>
+            </a:r>
+            <a:r>
+              <a:rPr lang="en-US" altLang="zh-CN" dirty="0"/>
+              <a:t>PAMAP2</a:t>
+            </a:r>
+          </a:p>
+          <a:p>
+            <a:r>
+              <a:rPr lang="zh-CN" altLang="en-US" dirty="0"/>
+              <a:t>对结果使用</a:t>
+            </a:r>
+            <a:r>
+              <a:rPr lang="en-US" altLang="zh-CN" dirty="0"/>
+              <a:t>Wasserstein distance</a:t>
+            </a:r>
+            <a:r>
+              <a:rPr lang="zh-CN" altLang="en-US" dirty="0"/>
+              <a:t>度量分布距离，判定源域目标域的距离，（并没有伪造数据和目标域的度量）</a:t>
+            </a:r>
+            <a:endParaRPr lang="en-US" altLang="zh-CN" dirty="0"/>
+          </a:p>
+          <a:p>
+            <a:endParaRPr lang="en-US" altLang="zh-CN" dirty="0"/>
+          </a:p>
+        </p:txBody>
+      </p:sp>
+      <p:pic>
+        <p:nvPicPr>
+          <p:cNvPr id="5" name="图片 4">
+            <a:extLst>
+              <a:ext uri="{FF2B5EF4-FFF2-40B4-BE49-F238E27FC236}">
+                <a16:creationId xmlns:a16="http://schemas.microsoft.com/office/drawing/2014/main" id="{2E946211-7C9A-EBBB-8156-3099D8D1E0F2}"/>
+              </a:ext>
+            </a:extLst>
+          </p:cNvPr>
+          <p:cNvPicPr>
+            <a:picLocks noChangeAspect="1"/>
+          </p:cNvPicPr>
+          <p:nvPr/>
+        </p:nvPicPr>
+        <p:blipFill>
+          <a:blip r:embed="rId2"/>
+          <a:stretch>
+            <a:fillRect/>
+          </a:stretch>
+        </p:blipFill>
+        <p:spPr>
+          <a:xfrm>
+            <a:off x="5248677" y="577065"/>
+            <a:ext cx="7162398" cy="5385585"/>
+          </a:xfrm>
+          <a:prstGeom prst="rect">
+            <a:avLst/>
+          </a:prstGeom>
+        </p:spPr>
+      </p:pic>
+    </p:spTree>
+    <p:extLst>
+      <p:ext uri="{BB962C8B-B14F-4D97-AF65-F5344CB8AC3E}">
+        <p14:creationId xmlns:p14="http://schemas.microsoft.com/office/powerpoint/2010/main" val="729241524"/>
+      </p:ext>
+    </p:extLst>
+  </p:cSld>
+  <p:clrMapOvr>
+    <a:masterClrMapping/>
+  </p:clrMapOvr>
+</p:sld>
+</file>
+
+<file path=ppt/slides/slide13.xml><?xml version="1.0" encoding="utf-8"?>
+<p:sld xmlns:a="http://schemas.openxmlformats.org/drawingml/2006/main" xmlns:r="http://schemas.openxmlformats.org/officeDocument/2006/relationships" xmlns:p="http://schemas.openxmlformats.org/presentationml/2006/main">
+  <p:cSld>
+    <p:spTree>
+      <p:nvGrpSpPr>
+        <p:cNvPr id="1" name=""/>
+        <p:cNvGrpSpPr/>
+        <p:nvPr/>
+      </p:nvGrpSpPr>
+      <p:grpSpPr>
+        <a:xfrm>
+          <a:off x="0" y="0"/>
+          <a:ext cx="0" cy="0"/>
+          <a:chOff x="0" y="0"/>
+          <a:chExt cx="0" cy="0"/>
+        </a:xfrm>
+      </p:grpSpPr>
+      <p:sp>
+        <p:nvSpPr>
+          <p:cNvPr id="2" name="标题 1">
+            <a:extLst>
+              <a:ext uri="{FF2B5EF4-FFF2-40B4-BE49-F238E27FC236}">
+                <a16:creationId xmlns:a16="http://schemas.microsoft.com/office/drawing/2014/main" id="{B6D97226-3B5A-E9AF-39CE-39F9F46B4A3B}"/>
+              </a:ext>
+            </a:extLst>
+          </p:cNvPr>
+          <p:cNvSpPr>
+            <a:spLocks noGrp="1"/>
+          </p:cNvSpPr>
+          <p:nvPr>
+            <p:ph type="title"/>
+          </p:nvPr>
+        </p:nvSpPr>
+        <p:spPr/>
+        <p:txBody>
+          <a:bodyPr/>
+          <a:lstStyle/>
+          <a:p>
+            <a:endParaRPr lang="zh-CN" altLang="en-US" dirty="0"/>
+          </a:p>
+        </p:txBody>
+      </p:sp>
+      <p:sp>
+        <p:nvSpPr>
+          <p:cNvPr id="3" name="内容占位符 2">
+            <a:extLst>
+              <a:ext uri="{FF2B5EF4-FFF2-40B4-BE49-F238E27FC236}">
+                <a16:creationId xmlns:a16="http://schemas.microsoft.com/office/drawing/2014/main" id="{3A7C870E-7FB6-0D55-B75B-73E06FE5DEE1}"/>
+              </a:ext>
+            </a:extLst>
+          </p:cNvPr>
+          <p:cNvSpPr>
+            <a:spLocks noGrp="1"/>
+          </p:cNvSpPr>
+          <p:nvPr>
+            <p:ph idx="1"/>
+          </p:nvPr>
+        </p:nvSpPr>
+        <p:spPr/>
+        <p:txBody>
+          <a:bodyPr/>
+          <a:lstStyle/>
+          <a:p>
+            <a:endParaRPr lang="zh-CN" altLang="en-US"/>
+          </a:p>
+        </p:txBody>
+      </p:sp>
+      <p:pic>
+        <p:nvPicPr>
+          <p:cNvPr id="5" name="图片 4">
+            <a:extLst>
+              <a:ext uri="{FF2B5EF4-FFF2-40B4-BE49-F238E27FC236}">
+                <a16:creationId xmlns:a16="http://schemas.microsoft.com/office/drawing/2014/main" id="{1C3E0B93-D374-E42A-BBA5-B1042C82561B}"/>
+              </a:ext>
+            </a:extLst>
+          </p:cNvPr>
+          <p:cNvPicPr>
+            <a:picLocks noChangeAspect="1"/>
+          </p:cNvPicPr>
+          <p:nvPr/>
+        </p:nvPicPr>
+        <p:blipFill>
+          <a:blip r:embed="rId2"/>
+          <a:stretch>
+            <a:fillRect/>
+          </a:stretch>
+        </p:blipFill>
+        <p:spPr>
+          <a:xfrm>
+            <a:off x="1116165" y="1825625"/>
+            <a:ext cx="9590768" cy="4772440"/>
+          </a:xfrm>
+          <a:prstGeom prst="rect">
+            <a:avLst/>
+          </a:prstGeom>
+        </p:spPr>
+      </p:pic>
+    </p:spTree>
+    <p:extLst>
+      <p:ext uri="{BB962C8B-B14F-4D97-AF65-F5344CB8AC3E}">
+        <p14:creationId xmlns:p14="http://schemas.microsoft.com/office/powerpoint/2010/main" val="31883711"/>
+      </p:ext>
+    </p:extLst>
+  </p:cSld>
+  <p:clrMapOvr>
+    <a:masterClrMapping/>
+  </p:clrMapOvr>
+</p:sld>
+</file>
+
+<file path=ppt/slides/slide14.xml><?xml version="1.0" encoding="utf-8"?>
+<p:sld xmlns:a="http://schemas.openxmlformats.org/drawingml/2006/main" xmlns:r="http://schemas.openxmlformats.org/officeDocument/2006/relationships" xmlns:p="http://schemas.openxmlformats.org/presentationml/2006/main">
+  <p:cSld>
+    <p:spTree>
+      <p:nvGrpSpPr>
+        <p:cNvPr id="1" name=""/>
+        <p:cNvGrpSpPr/>
+        <p:nvPr/>
+      </p:nvGrpSpPr>
+      <p:grpSpPr>
+        <a:xfrm>
+          <a:off x="0" y="0"/>
+          <a:ext cx="0" cy="0"/>
+          <a:chOff x="0" y="0"/>
+          <a:chExt cx="0" cy="0"/>
+        </a:xfrm>
+      </p:grpSpPr>
+      <p:sp>
+        <p:nvSpPr>
+          <p:cNvPr id="2" name="标题 1">
+            <a:extLst>
+              <a:ext uri="{FF2B5EF4-FFF2-40B4-BE49-F238E27FC236}">
+                <a16:creationId xmlns:a16="http://schemas.microsoft.com/office/drawing/2014/main" id="{788E8A87-3171-D00A-E07D-76BA7CE9E3F2}"/>
+              </a:ext>
+            </a:extLst>
+          </p:cNvPr>
+          <p:cNvSpPr>
+            <a:spLocks noGrp="1"/>
+          </p:cNvSpPr>
+          <p:nvPr>
+            <p:ph type="title"/>
+          </p:nvPr>
+        </p:nvSpPr>
+        <p:spPr/>
+        <p:txBody>
+          <a:bodyPr>
+            <a:normAutofit fontScale="90000"/>
+          </a:bodyPr>
+          <a:lstStyle/>
+          <a:p>
+            <a:r>
+              <a:rPr lang="en-US" altLang="zh-CN" dirty="0"/>
+              <a:t>Generic semi-supervised adversarial subject translation for sensor-based activity recognition </a:t>
+            </a:r>
+            <a:r>
+              <a:rPr lang="en-US" altLang="zh-CN" b="1" i="1" dirty="0"/>
+              <a:t>Neurocomputing 2022</a:t>
+            </a:r>
+            <a:endParaRPr lang="zh-CN" altLang="en-US" b="1" i="1" dirty="0"/>
+          </a:p>
+        </p:txBody>
+      </p:sp>
+      <p:sp>
+        <p:nvSpPr>
+          <p:cNvPr id="3" name="内容占位符 2">
+            <a:extLst>
+              <a:ext uri="{FF2B5EF4-FFF2-40B4-BE49-F238E27FC236}">
+                <a16:creationId xmlns:a16="http://schemas.microsoft.com/office/drawing/2014/main" id="{2817CAEE-669B-CC16-7D5E-6841A18A7311}"/>
+              </a:ext>
+            </a:extLst>
+          </p:cNvPr>
+          <p:cNvSpPr>
+            <a:spLocks noGrp="1"/>
+          </p:cNvSpPr>
+          <p:nvPr>
+            <p:ph idx="1"/>
+          </p:nvPr>
+        </p:nvSpPr>
+        <p:spPr/>
+        <p:txBody>
+          <a:bodyPr>
+            <a:normAutofit fontScale="92500"/>
+          </a:bodyPr>
+          <a:lstStyle/>
+          <a:p>
+            <a:r>
+              <a:rPr lang="zh-CN" altLang="en-US" dirty="0"/>
+              <a:t>与上一篇文章一作相同，二作不同，部门来自</a:t>
+            </a:r>
+            <a:r>
+              <a:rPr lang="fr-FR" altLang="zh-CN" dirty="0"/>
+              <a:t>Laboratoire Images, Signaux et Systmes Intelligents (LISSI), University Paris-Est Créteil, France</a:t>
+            </a:r>
+            <a:r>
+              <a:rPr lang="zh-CN" altLang="en-US" dirty="0"/>
+              <a:t>，是纯归纳学习，</a:t>
+            </a:r>
+            <a:r>
+              <a:rPr lang="en-US" altLang="zh-CN" dirty="0" err="1"/>
+              <a:t>transductive</a:t>
+            </a:r>
+            <a:endParaRPr lang="en-US" altLang="zh-CN" dirty="0"/>
+          </a:p>
+          <a:p>
+            <a:r>
+              <a:rPr lang="zh-CN" altLang="en-US" dirty="0"/>
+              <a:t>尝试解决生成器模式崩溃：均匀采样，每批数据中每个类都有一席之地（因此数据集有所筛选）</a:t>
+            </a:r>
+            <a:endParaRPr lang="en-US" altLang="zh-CN" dirty="0"/>
+          </a:p>
+          <a:p>
+            <a:r>
+              <a:rPr lang="zh-CN" altLang="en-US" dirty="0"/>
+              <a:t>辨别器“真假难分”不再是</a:t>
+            </a:r>
+            <a:r>
+              <a:rPr lang="en-US" altLang="zh-CN" dirty="0"/>
+              <a:t>50%</a:t>
+            </a:r>
+            <a:r>
+              <a:rPr lang="zh-CN" altLang="en-US" dirty="0"/>
+              <a:t>，而是另一个</a:t>
+            </a:r>
+            <a:r>
+              <a:rPr lang="en-US" altLang="zh-CN" dirty="0"/>
+              <a:t>[0,1]</a:t>
+            </a:r>
+            <a:r>
+              <a:rPr lang="zh-CN" altLang="en-US" dirty="0"/>
+              <a:t>的数，这样做的原因未能提炼出来</a:t>
+            </a:r>
+            <a:r>
+              <a:rPr lang="en-US" altLang="zh-CN" dirty="0"/>
+              <a:t>	</a:t>
+            </a:r>
+          </a:p>
+          <a:p>
+            <a:r>
+              <a:rPr lang="zh-CN" altLang="en-US" dirty="0"/>
+              <a:t>生成的媒介，出品与上文完全一致，原料的噪声变为均匀分布噪声</a:t>
+            </a:r>
+            <a:endParaRPr lang="en-US" altLang="zh-CN" dirty="0"/>
+          </a:p>
+          <a:p>
+            <a:r>
+              <a:rPr lang="zh-CN" altLang="en-US" dirty="0"/>
+              <a:t>三数据集，俩公共</a:t>
+            </a:r>
+            <a:r>
+              <a:rPr lang="en-US" altLang="zh-CN" dirty="0"/>
+              <a:t>opportunity</a:t>
+            </a:r>
+            <a:r>
+              <a:rPr lang="zh-CN" altLang="en-US" dirty="0"/>
+              <a:t>、</a:t>
+            </a:r>
+            <a:r>
+              <a:rPr lang="en-US" altLang="zh-CN" dirty="0"/>
+              <a:t>pamap2</a:t>
+            </a:r>
+            <a:r>
+              <a:rPr lang="zh-CN" altLang="en-US" dirty="0"/>
+              <a:t>和一自建</a:t>
+            </a:r>
+            <a:r>
+              <a:rPr lang="en-US" altLang="zh-CN" dirty="0"/>
+              <a:t>LISSI</a:t>
+            </a:r>
+            <a:r>
+              <a:rPr lang="zh-CN" altLang="en-US" dirty="0"/>
+              <a:t>（实验室自建</a:t>
+            </a:r>
+            <a:r>
+              <a:rPr lang="en-US" altLang="zh-CN" dirty="0"/>
+              <a:t>C</a:t>
+            </a:r>
+            <a:r>
+              <a:rPr lang="zh-CN" altLang="en-US" dirty="0"/>
+              <a:t>、</a:t>
+            </a:r>
+            <a:r>
+              <a:rPr lang="en-US" altLang="zh-CN" dirty="0"/>
+              <a:t>S</a:t>
+            </a:r>
+            <a:r>
+              <a:rPr lang="zh-CN" altLang="en-US" dirty="0"/>
+              <a:t>的</a:t>
+            </a:r>
+            <a:r>
+              <a:rPr lang="en-US" altLang="zh-CN" dirty="0"/>
+              <a:t>HAR</a:t>
+            </a:r>
+            <a:r>
+              <a:rPr lang="zh-CN" altLang="en-US" dirty="0"/>
+              <a:t>数据集）</a:t>
+            </a:r>
+            <a:endParaRPr lang="en-US" altLang="zh-CN" dirty="0"/>
+          </a:p>
+          <a:p>
+            <a:endParaRPr lang="en-US" altLang="zh-CN" dirty="0"/>
+          </a:p>
+          <a:p>
+            <a:endParaRPr lang="zh-CN" altLang="en-US" dirty="0"/>
+          </a:p>
+        </p:txBody>
+      </p:sp>
+    </p:spTree>
+    <p:extLst>
+      <p:ext uri="{BB962C8B-B14F-4D97-AF65-F5344CB8AC3E}">
+        <p14:creationId xmlns:p14="http://schemas.microsoft.com/office/powerpoint/2010/main" val="1156464991"/>
+      </p:ext>
+    </p:extLst>
+  </p:cSld>
+  <p:clrMapOvr>
+    <a:masterClrMapping/>
+  </p:clrMapOvr>
+</p:sld>
+</file>
+
+<file path=ppt/slides/slide15.xml><?xml version="1.0" encoding="utf-8"?>
+<p:sld xmlns:a="http://schemas.openxmlformats.org/drawingml/2006/main" xmlns:r="http://schemas.openxmlformats.org/officeDocument/2006/relationships" xmlns:p="http://schemas.openxmlformats.org/presentationml/2006/main">
+  <p:cSld>
+    <p:spTree>
+      <p:nvGrpSpPr>
+        <p:cNvPr id="1" name=""/>
+        <p:cNvGrpSpPr/>
+        <p:nvPr/>
+      </p:nvGrpSpPr>
+      <p:grpSpPr>
+        <a:xfrm>
+          <a:off x="0" y="0"/>
+          <a:ext cx="0" cy="0"/>
+          <a:chOff x="0" y="0"/>
+          <a:chExt cx="0" cy="0"/>
+        </a:xfrm>
+      </p:grpSpPr>
+      <p:sp>
+        <p:nvSpPr>
+          <p:cNvPr id="2" name="标题 1">
+            <a:extLst>
+              <a:ext uri="{FF2B5EF4-FFF2-40B4-BE49-F238E27FC236}">
+                <a16:creationId xmlns:a16="http://schemas.microsoft.com/office/drawing/2014/main" id="{4A3482E4-DA50-8589-71DA-DC3DC1E1CCD0}"/>
+              </a:ext>
+            </a:extLst>
+          </p:cNvPr>
+          <p:cNvSpPr>
+            <a:spLocks noGrp="1"/>
+          </p:cNvSpPr>
+          <p:nvPr>
+            <p:ph type="title"/>
+          </p:nvPr>
+        </p:nvSpPr>
+        <p:spPr/>
+        <p:txBody>
+          <a:bodyPr/>
+          <a:lstStyle/>
+          <a:p>
+            <a:endParaRPr lang="zh-CN" altLang="en-US"/>
+          </a:p>
+        </p:txBody>
+      </p:sp>
+      <p:sp>
+        <p:nvSpPr>
+          <p:cNvPr id="3" name="内容占位符 2">
+            <a:extLst>
+              <a:ext uri="{FF2B5EF4-FFF2-40B4-BE49-F238E27FC236}">
+                <a16:creationId xmlns:a16="http://schemas.microsoft.com/office/drawing/2014/main" id="{BEAF1310-3216-2134-5736-9FB9D576559B}"/>
+              </a:ext>
+            </a:extLst>
+          </p:cNvPr>
+          <p:cNvSpPr>
+            <a:spLocks noGrp="1"/>
+          </p:cNvSpPr>
+          <p:nvPr>
+            <p:ph idx="1"/>
+          </p:nvPr>
+        </p:nvSpPr>
+        <p:spPr>
+          <a:xfrm>
+            <a:off x="838200" y="1825625"/>
+            <a:ext cx="4276725" cy="4351338"/>
+          </a:xfrm>
+        </p:spPr>
+        <p:txBody>
+          <a:bodyPr/>
+          <a:lstStyle/>
+          <a:p>
+            <a:r>
+              <a:rPr lang="zh-CN" altLang="en-US" dirty="0"/>
+              <a:t>俩数据集仍然使用</a:t>
+            </a:r>
+            <a:r>
+              <a:rPr lang="en-US" altLang="zh-CN" dirty="0"/>
+              <a:t>PCA</a:t>
+            </a:r>
+          </a:p>
+          <a:p>
+            <a:r>
+              <a:rPr lang="en-US" altLang="zh-CN" dirty="0"/>
+              <a:t>PAMAP2</a:t>
+            </a:r>
+            <a:r>
+              <a:rPr lang="zh-CN" altLang="en-US" dirty="0"/>
+              <a:t>未使用</a:t>
+            </a:r>
+            <a:r>
+              <a:rPr lang="en-US" altLang="zh-CN" dirty="0"/>
+              <a:t>PCA</a:t>
+            </a:r>
+            <a:r>
+              <a:rPr lang="zh-CN" altLang="en-US" dirty="0"/>
+              <a:t>（原文：由于精度下降）</a:t>
+            </a:r>
+            <a:endParaRPr lang="en-US" altLang="zh-CN" dirty="0"/>
+          </a:p>
+          <a:p>
+            <a:r>
+              <a:rPr lang="zh-CN" altLang="en-US" dirty="0"/>
+              <a:t>有噪声，这里的</a:t>
+            </a:r>
+            <a:r>
+              <a:rPr lang="en-US" altLang="zh-CN" dirty="0"/>
+              <a:t>z</a:t>
+            </a:r>
+            <a:r>
+              <a:rPr lang="zh-CN" altLang="en-US" dirty="0"/>
+              <a:t>是均匀分布的</a:t>
+            </a:r>
+            <a:r>
+              <a:rPr lang="en-US" altLang="zh-CN" dirty="0"/>
+              <a:t>z</a:t>
+            </a:r>
+            <a:r>
+              <a:rPr lang="zh-CN" altLang="en-US" dirty="0"/>
+              <a:t>。此</a:t>
+            </a:r>
+            <a:r>
+              <a:rPr lang="en-US" altLang="zh-CN" dirty="0"/>
+              <a:t>z</a:t>
+            </a:r>
+            <a:r>
+              <a:rPr lang="zh-CN" altLang="en-US" dirty="0"/>
+              <a:t>非彼</a:t>
+            </a:r>
+            <a:r>
+              <a:rPr lang="en-US" altLang="zh-CN" dirty="0"/>
+              <a:t>z</a:t>
+            </a:r>
+            <a:r>
+              <a:rPr lang="zh-CN" altLang="en-US" dirty="0"/>
+              <a:t>，上一篇的</a:t>
+            </a:r>
+            <a:r>
+              <a:rPr lang="en-US" altLang="zh-CN" dirty="0"/>
+              <a:t>z</a:t>
+            </a:r>
+            <a:r>
+              <a:rPr lang="zh-CN" altLang="en-US" dirty="0"/>
+              <a:t>是正态分布的</a:t>
+            </a:r>
+            <a:r>
+              <a:rPr lang="en-US" altLang="zh-CN" dirty="0"/>
+              <a:t>z</a:t>
+            </a:r>
+            <a:r>
+              <a:rPr lang="zh-CN" altLang="en-US" dirty="0"/>
+              <a:t>，（解释均匀分布和正太分布）</a:t>
+            </a:r>
+            <a:endParaRPr lang="en-US" altLang="zh-CN" dirty="0"/>
+          </a:p>
+        </p:txBody>
+      </p:sp>
+      <p:pic>
+        <p:nvPicPr>
+          <p:cNvPr id="5" name="图片 4">
+            <a:extLst>
+              <a:ext uri="{FF2B5EF4-FFF2-40B4-BE49-F238E27FC236}">
+                <a16:creationId xmlns:a16="http://schemas.microsoft.com/office/drawing/2014/main" id="{97E8FC17-11B1-EA65-057D-DF48D1A44B34}"/>
+              </a:ext>
+            </a:extLst>
+          </p:cNvPr>
+          <p:cNvPicPr>
+            <a:picLocks noChangeAspect="1"/>
+          </p:cNvPicPr>
+          <p:nvPr/>
+        </p:nvPicPr>
+        <p:blipFill>
+          <a:blip r:embed="rId2"/>
+          <a:stretch>
+            <a:fillRect/>
+          </a:stretch>
+        </p:blipFill>
+        <p:spPr>
+          <a:xfrm>
+            <a:off x="5432207" y="885825"/>
+            <a:ext cx="5190255" cy="5524500"/>
+          </a:xfrm>
+          <a:prstGeom prst="rect">
+            <a:avLst/>
+          </a:prstGeom>
+        </p:spPr>
+      </p:pic>
+    </p:spTree>
+    <p:extLst>
+      <p:ext uri="{BB962C8B-B14F-4D97-AF65-F5344CB8AC3E}">
+        <p14:creationId xmlns:p14="http://schemas.microsoft.com/office/powerpoint/2010/main" val="4020020188"/>
+      </p:ext>
+    </p:extLst>
+  </p:cSld>
+  <p:clrMapOvr>
+    <a:masterClrMapping/>
+  </p:clrMapOvr>
+</p:sld>
+</file>
+
+<file path=ppt/slides/slide16.xml><?xml version="1.0" encoding="utf-8"?>
+<p:sld xmlns:a="http://schemas.openxmlformats.org/drawingml/2006/main" xmlns:r="http://schemas.openxmlformats.org/officeDocument/2006/relationships" xmlns:p="http://schemas.openxmlformats.org/presentationml/2006/main">
+  <p:cSld>
+    <p:spTree>
+      <p:nvGrpSpPr>
+        <p:cNvPr id="1" name=""/>
+        <p:cNvGrpSpPr/>
+        <p:nvPr/>
+      </p:nvGrpSpPr>
+      <p:grpSpPr>
+        <a:xfrm>
+          <a:off x="0" y="0"/>
+          <a:ext cx="0" cy="0"/>
+          <a:chOff x="0" y="0"/>
+          <a:chExt cx="0" cy="0"/>
+        </a:xfrm>
+      </p:grpSpPr>
+      <p:sp>
+        <p:nvSpPr>
+          <p:cNvPr id="2" name="标题 1">
+            <a:extLst>
+              <a:ext uri="{FF2B5EF4-FFF2-40B4-BE49-F238E27FC236}">
+                <a16:creationId xmlns:a16="http://schemas.microsoft.com/office/drawing/2014/main" id="{796C4E02-C988-8348-911F-FE1BB8B0FF12}"/>
+              </a:ext>
+            </a:extLst>
+          </p:cNvPr>
+          <p:cNvSpPr>
+            <a:spLocks noGrp="1"/>
+          </p:cNvSpPr>
+          <p:nvPr>
+            <p:ph type="title"/>
+          </p:nvPr>
+        </p:nvSpPr>
+        <p:spPr/>
+        <p:txBody>
+          <a:bodyPr>
+            <a:normAutofit fontScale="90000"/>
+          </a:bodyPr>
+          <a:lstStyle/>
+          <a:p>
+            <a:r>
+              <a:rPr lang="en-US" altLang="zh-CN" dirty="0" err="1"/>
+              <a:t>Semisupervised</a:t>
+            </a:r>
+            <a:r>
+              <a:rPr lang="en-US" altLang="zh-CN" dirty="0"/>
+              <a:t> Generative Adversarial Networks With Temporal Convolutions for Human Activity Recognition </a:t>
+            </a:r>
+            <a:r>
+              <a:rPr lang="en-US" altLang="zh-CN" b="1" i="1" dirty="0"/>
+              <a:t>IEEE SENSORS JOURNAL 2023</a:t>
+            </a:r>
+            <a:endParaRPr lang="zh-CN" altLang="en-US" b="1" i="1" dirty="0"/>
+          </a:p>
+        </p:txBody>
+      </p:sp>
+      <p:sp>
+        <p:nvSpPr>
+          <p:cNvPr id="3" name="内容占位符 2">
+            <a:extLst>
+              <a:ext uri="{FF2B5EF4-FFF2-40B4-BE49-F238E27FC236}">
+                <a16:creationId xmlns:a16="http://schemas.microsoft.com/office/drawing/2014/main" id="{8F30A925-3953-DADF-5B4D-CCF69356A74E}"/>
+              </a:ext>
+            </a:extLst>
+          </p:cNvPr>
+          <p:cNvSpPr>
+            <a:spLocks noGrp="1"/>
+          </p:cNvSpPr>
+          <p:nvPr>
+            <p:ph idx="1"/>
+          </p:nvPr>
+        </p:nvSpPr>
+        <p:spPr/>
+        <p:txBody>
+          <a:bodyPr>
+            <a:normAutofit fontScale="92500" lnSpcReduction="20000"/>
+          </a:bodyPr>
+          <a:lstStyle/>
+          <a:p>
+            <a:r>
+              <a:rPr lang="zh-CN" altLang="en-US" dirty="0"/>
+              <a:t>与上一篇文章部门相同，作者均不同，学校来自</a:t>
+            </a:r>
+            <a:r>
+              <a:rPr lang="fr-FR" altLang="zh-CN" dirty="0"/>
+              <a:t>Laboratoire Images, Signaux et Systmes Intelligents (LISSI), University Paris-Est Créteil, France</a:t>
+            </a:r>
+            <a:r>
+              <a:rPr lang="zh-CN" altLang="en-US" dirty="0"/>
+              <a:t>，是纯归纳学习，</a:t>
+            </a:r>
+            <a:r>
+              <a:rPr lang="en-US" altLang="zh-CN" dirty="0" err="1"/>
+              <a:t>transductive</a:t>
+            </a:r>
+            <a:endParaRPr lang="en-US" altLang="zh-CN" dirty="0"/>
+          </a:p>
+          <a:p>
+            <a:r>
+              <a:rPr lang="zh-CN" altLang="en-US" dirty="0"/>
+              <a:t>分类器和辨别器公用同一网络结构，是一个小的创新</a:t>
+            </a:r>
+            <a:endParaRPr lang="en-US" altLang="zh-CN" dirty="0"/>
+          </a:p>
+          <a:p>
+            <a:r>
+              <a:rPr lang="zh-CN" altLang="en-US" dirty="0"/>
+              <a:t>生成的媒介还是</a:t>
+            </a:r>
+            <a:r>
+              <a:rPr lang="en-US" altLang="zh-CN" dirty="0"/>
+              <a:t>GAN</a:t>
+            </a:r>
+            <a:r>
+              <a:rPr lang="zh-CN" altLang="en-US" dirty="0"/>
+              <a:t>，生产的原料是纯噪声，生成的出品是源于噪声的伪造数据。</a:t>
+            </a:r>
+            <a:endParaRPr lang="en-US" altLang="zh-CN" dirty="0"/>
+          </a:p>
+          <a:p>
+            <a:r>
+              <a:rPr lang="zh-CN" altLang="en-US" dirty="0"/>
+              <a:t>目标</a:t>
+            </a:r>
+            <a:r>
+              <a:rPr lang="en-US" altLang="zh-CN" dirty="0"/>
+              <a:t>1</a:t>
+            </a:r>
+            <a:r>
+              <a:rPr lang="zh-CN" altLang="en-US" dirty="0"/>
+              <a:t>：用</a:t>
+            </a:r>
+            <a:r>
+              <a:rPr lang="en-US" altLang="zh-CN" dirty="0"/>
+              <a:t>MAE</a:t>
+            </a:r>
+            <a:r>
+              <a:rPr lang="zh-CN" altLang="en-US" dirty="0"/>
+              <a:t>衡量伪造数据和目标域数据的距离（非原数据，实为分类器输出类别前的一维隐藏状态，俩向量），优化生成器，是一个创新点</a:t>
+            </a:r>
+            <a:endParaRPr lang="en-US" altLang="zh-CN" dirty="0"/>
+          </a:p>
+          <a:p>
+            <a:r>
+              <a:rPr lang="zh-CN" altLang="en-US" dirty="0"/>
+              <a:t>目标</a:t>
+            </a:r>
+            <a:r>
+              <a:rPr lang="en-US" altLang="zh-CN" dirty="0"/>
+              <a:t>2</a:t>
+            </a:r>
+            <a:r>
+              <a:rPr lang="zh-CN" altLang="en-US" dirty="0"/>
+              <a:t>：用交叉熵和二分类熵衡量分类器和辨别器的性能，优化分类器辨别器</a:t>
+            </a:r>
+            <a:endParaRPr lang="en-US" altLang="zh-CN" dirty="0"/>
+          </a:p>
+          <a:p>
+            <a:r>
+              <a:rPr lang="zh-CN" altLang="en-US" dirty="0"/>
+              <a:t>真假难分的判定条件（纳什均衡）改变，未能提炼原因</a:t>
+            </a:r>
+            <a:endParaRPr lang="en-US" altLang="zh-CN" dirty="0"/>
+          </a:p>
+          <a:p>
+            <a:endParaRPr lang="zh-CN" altLang="en-US" dirty="0"/>
+          </a:p>
+        </p:txBody>
+      </p:sp>
+    </p:spTree>
+    <p:extLst>
+      <p:ext uri="{BB962C8B-B14F-4D97-AF65-F5344CB8AC3E}">
+        <p14:creationId xmlns:p14="http://schemas.microsoft.com/office/powerpoint/2010/main" val="1544276521"/>
+      </p:ext>
+    </p:extLst>
+  </p:cSld>
+  <p:clrMapOvr>
+    <a:masterClrMapping/>
+  </p:clrMapOvr>
+</p:sld>
+</file>
+
+<file path=ppt/slides/slide17.xml><?xml version="1.0" encoding="utf-8"?>
+<p:sld xmlns:a="http://schemas.openxmlformats.org/drawingml/2006/main" xmlns:r="http://schemas.openxmlformats.org/officeDocument/2006/relationships" xmlns:p="http://schemas.openxmlformats.org/presentationml/2006/main">
+  <p:cSld>
+    <p:spTree>
+      <p:nvGrpSpPr>
+        <p:cNvPr id="1" name=""/>
+        <p:cNvGrpSpPr/>
+        <p:nvPr/>
+      </p:nvGrpSpPr>
+      <p:grpSpPr>
+        <a:xfrm>
+          <a:off x="0" y="0"/>
+          <a:ext cx="0" cy="0"/>
+          <a:chOff x="0" y="0"/>
+          <a:chExt cx="0" cy="0"/>
+        </a:xfrm>
+      </p:grpSpPr>
+      <p:sp>
+        <p:nvSpPr>
+          <p:cNvPr id="2" name="标题 1">
+            <a:extLst>
+              <a:ext uri="{FF2B5EF4-FFF2-40B4-BE49-F238E27FC236}">
+                <a16:creationId xmlns:a16="http://schemas.microsoft.com/office/drawing/2014/main" id="{F03A2F68-7FBF-7381-2A1E-826BD12EB138}"/>
+              </a:ext>
+            </a:extLst>
+          </p:cNvPr>
+          <p:cNvSpPr>
+            <a:spLocks noGrp="1"/>
+          </p:cNvSpPr>
+          <p:nvPr>
+            <p:ph type="title"/>
+          </p:nvPr>
+        </p:nvSpPr>
+        <p:spPr/>
+        <p:txBody>
+          <a:bodyPr/>
+          <a:lstStyle/>
+          <a:p>
+            <a:endParaRPr lang="zh-CN" altLang="en-US"/>
+          </a:p>
+        </p:txBody>
+      </p:sp>
+      <p:sp>
+        <p:nvSpPr>
+          <p:cNvPr id="3" name="内容占位符 2">
+            <a:extLst>
+              <a:ext uri="{FF2B5EF4-FFF2-40B4-BE49-F238E27FC236}">
+                <a16:creationId xmlns:a16="http://schemas.microsoft.com/office/drawing/2014/main" id="{EAD92741-818C-1B8A-40E3-96AA2878CEC2}"/>
+              </a:ext>
+            </a:extLst>
+          </p:cNvPr>
+          <p:cNvSpPr>
+            <a:spLocks noGrp="1"/>
+          </p:cNvSpPr>
+          <p:nvPr>
+            <p:ph idx="1"/>
+          </p:nvPr>
+        </p:nvSpPr>
+        <p:spPr/>
+        <p:txBody>
+          <a:bodyPr/>
+          <a:lstStyle/>
+          <a:p>
+            <a:endParaRPr lang="zh-CN" altLang="en-US"/>
+          </a:p>
+        </p:txBody>
+      </p:sp>
+      <p:pic>
+        <p:nvPicPr>
+          <p:cNvPr id="4" name="图片 3">
+            <a:extLst>
+              <a:ext uri="{FF2B5EF4-FFF2-40B4-BE49-F238E27FC236}">
+                <a16:creationId xmlns:a16="http://schemas.microsoft.com/office/drawing/2014/main" id="{E8AAE7D4-077E-00AA-D736-972495A23AE2}"/>
+              </a:ext>
+            </a:extLst>
+          </p:cNvPr>
+          <p:cNvPicPr>
+            <a:picLocks noChangeAspect="1"/>
+          </p:cNvPicPr>
+          <p:nvPr/>
+        </p:nvPicPr>
+        <p:blipFill>
+          <a:blip r:embed="rId2"/>
+          <a:stretch>
+            <a:fillRect/>
+          </a:stretch>
+        </p:blipFill>
+        <p:spPr>
+          <a:xfrm>
+            <a:off x="2484863" y="-135416"/>
+            <a:ext cx="5325637" cy="6907691"/>
+          </a:xfrm>
+          <a:prstGeom prst="rect">
+            <a:avLst/>
+          </a:prstGeom>
+        </p:spPr>
+      </p:pic>
+    </p:spTree>
+    <p:extLst>
+      <p:ext uri="{BB962C8B-B14F-4D97-AF65-F5344CB8AC3E}">
+        <p14:creationId xmlns:p14="http://schemas.microsoft.com/office/powerpoint/2010/main" val="568945444"/>
+      </p:ext>
+    </p:extLst>
+  </p:cSld>
+  <p:clrMapOvr>
+    <a:masterClrMapping/>
+  </p:clrMapOvr>
+</p:sld>
+</file>
+
+<file path=ppt/slides/slide18.xml><?xml version="1.0" encoding="utf-8"?>
+<p:sld xmlns:a="http://schemas.openxmlformats.org/drawingml/2006/main" xmlns:r="http://schemas.openxmlformats.org/officeDocument/2006/relationships" xmlns:p="http://schemas.openxmlformats.org/presentationml/2006/main">
+  <p:cSld>
+    <p:spTree>
+      <p:nvGrpSpPr>
+        <p:cNvPr id="1" name=""/>
+        <p:cNvGrpSpPr/>
+        <p:nvPr/>
+      </p:nvGrpSpPr>
+      <p:grpSpPr>
+        <a:xfrm>
+          <a:off x="0" y="0"/>
+          <a:ext cx="0" cy="0"/>
+          <a:chOff x="0" y="0"/>
+          <a:chExt cx="0" cy="0"/>
+        </a:xfrm>
+      </p:grpSpPr>
+      <p:sp>
+        <p:nvSpPr>
+          <p:cNvPr id="2" name="标题 1">
+            <a:extLst>
+              <a:ext uri="{FF2B5EF4-FFF2-40B4-BE49-F238E27FC236}">
+                <a16:creationId xmlns:a16="http://schemas.microsoft.com/office/drawing/2014/main" id="{46B46502-90E0-EA26-299F-5EBAD1D75622}"/>
+              </a:ext>
+            </a:extLst>
+          </p:cNvPr>
+          <p:cNvSpPr>
+            <a:spLocks noGrp="1"/>
+          </p:cNvSpPr>
+          <p:nvPr>
+            <p:ph type="title"/>
+          </p:nvPr>
+        </p:nvSpPr>
+        <p:spPr/>
+        <p:txBody>
+          <a:bodyPr/>
+          <a:lstStyle/>
+          <a:p>
+            <a:endParaRPr lang="zh-CN" altLang="en-US"/>
+          </a:p>
+        </p:txBody>
+      </p:sp>
+      <p:sp>
+        <p:nvSpPr>
+          <p:cNvPr id="3" name="内容占位符 2">
+            <a:extLst>
+              <a:ext uri="{FF2B5EF4-FFF2-40B4-BE49-F238E27FC236}">
+                <a16:creationId xmlns:a16="http://schemas.microsoft.com/office/drawing/2014/main" id="{2C68DA6D-CB95-227A-3751-F53F86DADEA0}"/>
+              </a:ext>
+            </a:extLst>
+          </p:cNvPr>
+          <p:cNvSpPr>
+            <a:spLocks noGrp="1"/>
+          </p:cNvSpPr>
+          <p:nvPr>
+            <p:ph idx="1"/>
+          </p:nvPr>
+        </p:nvSpPr>
+        <p:spPr>
+          <a:xfrm>
+            <a:off x="838200" y="1825625"/>
+            <a:ext cx="6019800" cy="4351338"/>
+          </a:xfrm>
+        </p:spPr>
+        <p:txBody>
+          <a:bodyPr>
+            <a:normAutofit fontScale="92500"/>
+          </a:bodyPr>
+          <a:lstStyle/>
+          <a:p>
+            <a:r>
+              <a:rPr lang="zh-CN" altLang="en-US" dirty="0"/>
+              <a:t>现在生成器只根据</a:t>
+            </a:r>
+            <a:r>
+              <a:rPr lang="en-US" altLang="zh-CN" dirty="0"/>
+              <a:t>MAE</a:t>
+            </a:r>
+            <a:r>
+              <a:rPr lang="zh-CN" altLang="en-US" dirty="0"/>
+              <a:t>来调整梯度，是分类器辨别器公用带来的结果</a:t>
+            </a:r>
+            <a:endParaRPr lang="en-US" altLang="zh-CN" dirty="0"/>
+          </a:p>
+          <a:p>
+            <a:r>
+              <a:rPr lang="zh-CN" altLang="en-US" dirty="0"/>
+              <a:t>三个数据集，和上一篇文章一致</a:t>
+            </a:r>
+            <a:endParaRPr lang="en-US" altLang="zh-CN" dirty="0"/>
+          </a:p>
+          <a:p>
+            <a:r>
+              <a:rPr lang="zh-CN" altLang="en-US" dirty="0"/>
+              <a:t>未按迁移学习角度，固定训练</a:t>
+            </a:r>
+            <a:r>
+              <a:rPr lang="en-US" altLang="zh-CN" dirty="0"/>
+              <a:t>-</a:t>
+            </a:r>
+            <a:r>
+              <a:rPr lang="zh-CN" altLang="en-US" dirty="0"/>
+              <a:t>测试集</a:t>
+            </a:r>
+            <a:endParaRPr lang="en-US" altLang="zh-CN" dirty="0"/>
+          </a:p>
+          <a:p>
+            <a:r>
+              <a:rPr lang="zh-CN" altLang="en-US" dirty="0"/>
+              <a:t>多角度做实验，理论验证过程非常充分</a:t>
+            </a:r>
+            <a:endParaRPr lang="en-US" altLang="zh-CN" dirty="0"/>
+          </a:p>
+          <a:p>
+            <a:r>
+              <a:rPr lang="zh-CN" altLang="en-US" dirty="0"/>
+              <a:t>但是使用了数据过滤，导致指标虚高（原文结论提到）。</a:t>
+            </a:r>
+            <a:endParaRPr lang="en-US" altLang="zh-CN" dirty="0"/>
+          </a:p>
+          <a:p>
+            <a:r>
+              <a:rPr lang="zh-CN" altLang="en-US" dirty="0"/>
+              <a:t>可穿戴传感器噪声最厉害，这就像泥水里加明矾</a:t>
+            </a:r>
+          </a:p>
+        </p:txBody>
+      </p:sp>
+      <p:pic>
+        <p:nvPicPr>
+          <p:cNvPr id="5" name="图片 4">
+            <a:extLst>
+              <a:ext uri="{FF2B5EF4-FFF2-40B4-BE49-F238E27FC236}">
+                <a16:creationId xmlns:a16="http://schemas.microsoft.com/office/drawing/2014/main" id="{85F51FE4-6116-D51D-4FCF-18585D8963B2}"/>
+              </a:ext>
+            </a:extLst>
+          </p:cNvPr>
+          <p:cNvPicPr>
+            <a:picLocks noChangeAspect="1"/>
+          </p:cNvPicPr>
+          <p:nvPr/>
+        </p:nvPicPr>
+        <p:blipFill>
+          <a:blip r:embed="rId2"/>
+          <a:stretch>
+            <a:fillRect/>
+          </a:stretch>
+        </p:blipFill>
+        <p:spPr>
+          <a:xfrm>
+            <a:off x="6999094" y="0"/>
+            <a:ext cx="4936894" cy="6900431"/>
+          </a:xfrm>
+          <a:prstGeom prst="rect">
+            <a:avLst/>
+          </a:prstGeom>
+        </p:spPr>
+      </p:pic>
+    </p:spTree>
+    <p:extLst>
+      <p:ext uri="{BB962C8B-B14F-4D97-AF65-F5344CB8AC3E}">
+        <p14:creationId xmlns:p14="http://schemas.microsoft.com/office/powerpoint/2010/main" val="3188157653"/>
+      </p:ext>
+    </p:extLst>
+  </p:cSld>
+  <p:clrMapOvr>
+    <a:masterClrMapping/>
+  </p:clrMapOvr>
+</p:sld>
+</file>
+
+<file path=ppt/slides/slide19.xml><?xml version="1.0" encoding="utf-8"?>
+<p:sld xmlns:a="http://schemas.openxmlformats.org/drawingml/2006/main" xmlns:r="http://schemas.openxmlformats.org/officeDocument/2006/relationships" xmlns:p="http://schemas.openxmlformats.org/presentationml/2006/main">
+  <p:cSld>
+    <p:spTree>
+      <p:nvGrpSpPr>
+        <p:cNvPr id="1" name=""/>
+        <p:cNvGrpSpPr/>
+        <p:nvPr/>
+      </p:nvGrpSpPr>
+      <p:grpSpPr>
+        <a:xfrm>
+          <a:off x="0" y="0"/>
+          <a:ext cx="0" cy="0"/>
+          <a:chOff x="0" y="0"/>
+          <a:chExt cx="0" cy="0"/>
+        </a:xfrm>
+      </p:grpSpPr>
+      <p:sp>
+        <p:nvSpPr>
+          <p:cNvPr id="2" name="标题 1">
+            <a:extLst>
+              <a:ext uri="{FF2B5EF4-FFF2-40B4-BE49-F238E27FC236}">
+                <a16:creationId xmlns:a16="http://schemas.microsoft.com/office/drawing/2014/main" id="{3C6DDFFB-02B8-10F8-9935-3345E24C0CA3}"/>
+              </a:ext>
+            </a:extLst>
+          </p:cNvPr>
+          <p:cNvSpPr>
+            <a:spLocks noGrp="1"/>
+          </p:cNvSpPr>
+          <p:nvPr>
+            <p:ph type="title"/>
+          </p:nvPr>
+        </p:nvSpPr>
+        <p:spPr/>
+        <p:txBody>
+          <a:bodyPr>
+            <a:normAutofit fontScale="90000"/>
+          </a:bodyPr>
+          <a:lstStyle/>
+          <a:p>
+            <a:r>
+              <a:rPr lang="en-US" altLang="zh-CN" dirty="0"/>
+              <a:t>Context-aware mutual learning for semi-supervised human activity recognition using wearable sensors </a:t>
+            </a:r>
+            <a:r>
+              <a:rPr lang="en-US" altLang="zh-CN" b="1" i="1" dirty="0"/>
+              <a:t>Expert Systems With Applications 2023</a:t>
+            </a:r>
+            <a:endParaRPr lang="zh-CN" altLang="en-US" b="1" i="1" dirty="0"/>
+          </a:p>
+        </p:txBody>
+      </p:sp>
+      <p:sp>
+        <p:nvSpPr>
+          <p:cNvPr id="3" name="内容占位符 2">
+            <a:extLst>
+              <a:ext uri="{FF2B5EF4-FFF2-40B4-BE49-F238E27FC236}">
+                <a16:creationId xmlns:a16="http://schemas.microsoft.com/office/drawing/2014/main" id="{B2A69384-6B82-D33A-7D05-B62775421134}"/>
+              </a:ext>
+            </a:extLst>
+          </p:cNvPr>
+          <p:cNvSpPr>
+            <a:spLocks noGrp="1"/>
+          </p:cNvSpPr>
+          <p:nvPr>
+            <p:ph idx="1"/>
+          </p:nvPr>
+        </p:nvSpPr>
+        <p:spPr>
+          <a:xfrm>
+            <a:off x="771525" y="2254250"/>
+            <a:ext cx="10515600" cy="4351338"/>
+          </a:xfrm>
+        </p:spPr>
+        <p:txBody>
+          <a:bodyPr/>
+          <a:lstStyle/>
+          <a:p>
+            <a:r>
+              <a:rPr lang="zh-CN" altLang="en-US" dirty="0"/>
+              <a:t>不再聚焦生成，顶级长文</a:t>
+            </a:r>
+            <a:endParaRPr lang="en-US" altLang="zh-CN" dirty="0"/>
+          </a:p>
+          <a:p>
+            <a:r>
+              <a:rPr lang="zh-CN" altLang="en-US" dirty="0"/>
+              <a:t>主打知识蒸馏的主</a:t>
+            </a:r>
+            <a:r>
+              <a:rPr lang="en-US" altLang="zh-CN" dirty="0"/>
+              <a:t>-</a:t>
+            </a:r>
+            <a:r>
+              <a:rPr lang="zh-CN" altLang="en-US" dirty="0"/>
+              <a:t>副网络互相训练，无论有无标签、两种网络都会经过，分别得到两组预测标签，一共四组</a:t>
+            </a:r>
+          </a:p>
+        </p:txBody>
+      </p:sp>
+      <p:pic>
+        <p:nvPicPr>
+          <p:cNvPr id="5" name="图片 4">
+            <a:extLst>
+              <a:ext uri="{FF2B5EF4-FFF2-40B4-BE49-F238E27FC236}">
+                <a16:creationId xmlns:a16="http://schemas.microsoft.com/office/drawing/2014/main" id="{EC4B7B4D-AF75-C3C3-2D5B-51FEACBEEBAF}"/>
+              </a:ext>
+            </a:extLst>
+          </p:cNvPr>
+          <p:cNvPicPr>
+            <a:picLocks noChangeAspect="1"/>
+          </p:cNvPicPr>
+          <p:nvPr/>
+        </p:nvPicPr>
+        <p:blipFill>
+          <a:blip r:embed="rId2"/>
+          <a:stretch>
+            <a:fillRect/>
+          </a:stretch>
+        </p:blipFill>
+        <p:spPr>
+          <a:xfrm>
+            <a:off x="1326351" y="3506721"/>
+            <a:ext cx="9539297" cy="3351279"/>
+          </a:xfrm>
+          <a:prstGeom prst="rect">
+            <a:avLst/>
+          </a:prstGeom>
+        </p:spPr>
+      </p:pic>
+    </p:spTree>
+    <p:extLst>
+      <p:ext uri="{BB962C8B-B14F-4D97-AF65-F5344CB8AC3E}">
+        <p14:creationId xmlns:p14="http://schemas.microsoft.com/office/powerpoint/2010/main" val="1757831248"/>
+      </p:ext>
+    </p:extLst>
+  </p:cSld>
+  <p:clrMapOvr>
+    <a:masterClrMapping/>
+  </p:clrMapOvr>
+</p:sld>
+</file>
+
 <file path=ppt/slides/slide2.xml><?xml version="1.0" encoding="utf-8"?>
 <p:sld xmlns:a="http://schemas.openxmlformats.org/drawingml/2006/main" xmlns:r="http://schemas.openxmlformats.org/officeDocument/2006/relationships" xmlns:p="http://schemas.openxmlformats.org/presentationml/2006/main">
   <p:cSld>
@@ -3587,6 +5201,611 @@
     <p:extLst>
       <p:ext uri="{BB962C8B-B14F-4D97-AF65-F5344CB8AC3E}">
         <p14:creationId xmlns:p14="http://schemas.microsoft.com/office/powerpoint/2010/main" val="2274684122"/>
+      </p:ext>
+    </p:extLst>
+  </p:cSld>
+  <p:clrMapOvr>
+    <a:masterClrMapping/>
+  </p:clrMapOvr>
+</p:sld>
+</file>
+
+<file path=ppt/slides/slide20.xml><?xml version="1.0" encoding="utf-8"?>
+<p:sld xmlns:a="http://schemas.openxmlformats.org/drawingml/2006/main" xmlns:r="http://schemas.openxmlformats.org/officeDocument/2006/relationships" xmlns:p="http://schemas.openxmlformats.org/presentationml/2006/main">
+  <p:cSld>
+    <p:spTree>
+      <p:nvGrpSpPr>
+        <p:cNvPr id="1" name=""/>
+        <p:cNvGrpSpPr/>
+        <p:nvPr/>
+      </p:nvGrpSpPr>
+      <p:grpSpPr>
+        <a:xfrm>
+          <a:off x="0" y="0"/>
+          <a:ext cx="0" cy="0"/>
+          <a:chOff x="0" y="0"/>
+          <a:chExt cx="0" cy="0"/>
+        </a:xfrm>
+      </p:grpSpPr>
+      <p:sp>
+        <p:nvSpPr>
+          <p:cNvPr id="2" name="标题 1">
+            <a:extLst>
+              <a:ext uri="{FF2B5EF4-FFF2-40B4-BE49-F238E27FC236}">
+                <a16:creationId xmlns:a16="http://schemas.microsoft.com/office/drawing/2014/main" id="{91F0F8E0-6CC9-A635-C667-C05B88C4D6E4}"/>
+              </a:ext>
+            </a:extLst>
+          </p:cNvPr>
+          <p:cNvSpPr>
+            <a:spLocks noGrp="1"/>
+          </p:cNvSpPr>
+          <p:nvPr>
+            <p:ph type="title"/>
+          </p:nvPr>
+        </p:nvSpPr>
+        <p:spPr/>
+        <p:txBody>
+          <a:bodyPr/>
+          <a:lstStyle/>
+          <a:p>
+            <a:r>
+              <a:rPr lang="zh-CN" altLang="en-US" dirty="0"/>
+              <a:t>半监督互相训练的原生问题</a:t>
+            </a:r>
+          </a:p>
+        </p:txBody>
+      </p:sp>
+      <p:sp>
+        <p:nvSpPr>
+          <p:cNvPr id="3" name="内容占位符 2">
+            <a:extLst>
+              <a:ext uri="{FF2B5EF4-FFF2-40B4-BE49-F238E27FC236}">
+                <a16:creationId xmlns:a16="http://schemas.microsoft.com/office/drawing/2014/main" id="{699B8F5D-CB7F-A04C-6108-9886D96EF3CC}"/>
+              </a:ext>
+            </a:extLst>
+          </p:cNvPr>
+          <p:cNvSpPr>
+            <a:spLocks noGrp="1"/>
+          </p:cNvSpPr>
+          <p:nvPr>
+            <p:ph idx="1"/>
+          </p:nvPr>
+        </p:nvSpPr>
+        <p:spPr>
+          <a:xfrm>
+            <a:off x="942975" y="1825625"/>
+            <a:ext cx="10515600" cy="4351338"/>
+          </a:xfrm>
+        </p:spPr>
+        <p:txBody>
+          <a:bodyPr/>
+          <a:lstStyle/>
+          <a:p>
+            <a:r>
+              <a:rPr lang="zh-CN" altLang="en-US" dirty="0"/>
+              <a:t>担心主副网络从有标签数据中学到与互相差别很大的标签分布</a:t>
+            </a:r>
+            <a:endParaRPr lang="en-US" altLang="zh-CN" dirty="0"/>
+          </a:p>
+          <a:p>
+            <a:r>
+              <a:rPr lang="zh-CN" altLang="en-US" dirty="0"/>
+              <a:t>担心主副网络从无标签数据中学到与互相差别很小的标签分布</a:t>
+            </a:r>
+            <a:endParaRPr lang="en-US" altLang="zh-CN" dirty="0"/>
+          </a:p>
+          <a:p>
+            <a:r>
+              <a:rPr lang="zh-CN" altLang="en-US" dirty="0"/>
+              <a:t>担心主副网络从无标签数据中学到与真实标签分布差别很大的标签分布</a:t>
+            </a:r>
+            <a:r>
+              <a:rPr lang="en-US" altLang="zh-CN" dirty="0"/>
+              <a:t>,</a:t>
+            </a:r>
+            <a:r>
+              <a:rPr lang="zh-CN" altLang="en-US" dirty="0"/>
+              <a:t>盲人过独木桥</a:t>
+            </a:r>
+            <a:endParaRPr lang="en-US" altLang="zh-CN" dirty="0"/>
+          </a:p>
+          <a:p>
+            <a:r>
+              <a:rPr lang="zh-CN" altLang="en-US" dirty="0"/>
+              <a:t>两种网络的损失由四部分构成，现只说主网络</a:t>
+            </a:r>
+            <a:endParaRPr lang="en-US" altLang="zh-CN" dirty="0"/>
+          </a:p>
+          <a:p>
+            <a:endParaRPr lang="en-US" altLang="zh-CN" dirty="0"/>
+          </a:p>
+          <a:p>
+            <a:pPr marL="0" indent="0">
+              <a:buNone/>
+            </a:pPr>
+            <a:endParaRPr lang="en-US" altLang="zh-CN" dirty="0"/>
+          </a:p>
+        </p:txBody>
+      </p:sp>
+      <p:pic>
+        <p:nvPicPr>
+          <p:cNvPr id="4" name="图片 3">
+            <a:extLst>
+              <a:ext uri="{FF2B5EF4-FFF2-40B4-BE49-F238E27FC236}">
+                <a16:creationId xmlns:a16="http://schemas.microsoft.com/office/drawing/2014/main" id="{34A150A2-525D-8DD5-76CB-DC63E3646504}"/>
+              </a:ext>
+            </a:extLst>
+          </p:cNvPr>
+          <p:cNvPicPr>
+            <a:picLocks noChangeAspect="1"/>
+          </p:cNvPicPr>
+          <p:nvPr/>
+        </p:nvPicPr>
+        <p:blipFill>
+          <a:blip r:embed="rId2"/>
+          <a:stretch>
+            <a:fillRect/>
+          </a:stretch>
+        </p:blipFill>
+        <p:spPr>
+          <a:xfrm>
+            <a:off x="285789" y="4146168"/>
+            <a:ext cx="5401429" cy="952633"/>
+          </a:xfrm>
+          <a:prstGeom prst="rect">
+            <a:avLst/>
+          </a:prstGeom>
+        </p:spPr>
+      </p:pic>
+      <p:pic>
+        <p:nvPicPr>
+          <p:cNvPr id="5" name="图片 4">
+            <a:extLst>
+              <a:ext uri="{FF2B5EF4-FFF2-40B4-BE49-F238E27FC236}">
+                <a16:creationId xmlns:a16="http://schemas.microsoft.com/office/drawing/2014/main" id="{66376C9A-776C-1DCB-EDDB-1C0D0328EA3E}"/>
+              </a:ext>
+            </a:extLst>
+          </p:cNvPr>
+          <p:cNvPicPr>
+            <a:picLocks noChangeAspect="1"/>
+          </p:cNvPicPr>
+          <p:nvPr/>
+        </p:nvPicPr>
+        <p:blipFill>
+          <a:blip r:embed="rId3"/>
+          <a:stretch>
+            <a:fillRect/>
+          </a:stretch>
+        </p:blipFill>
+        <p:spPr>
+          <a:xfrm>
+            <a:off x="285789" y="5232353"/>
+            <a:ext cx="4315427" cy="924054"/>
+          </a:xfrm>
+          <a:prstGeom prst="rect">
+            <a:avLst/>
+          </a:prstGeom>
+        </p:spPr>
+      </p:pic>
+      <p:pic>
+        <p:nvPicPr>
+          <p:cNvPr id="6" name="图片 5">
+            <a:extLst>
+              <a:ext uri="{FF2B5EF4-FFF2-40B4-BE49-F238E27FC236}">
+                <a16:creationId xmlns:a16="http://schemas.microsoft.com/office/drawing/2014/main" id="{56C6DAA8-8622-75E1-D40E-9886E6CFD807}"/>
+              </a:ext>
+            </a:extLst>
+          </p:cNvPr>
+          <p:cNvPicPr>
+            <a:picLocks noChangeAspect="1"/>
+          </p:cNvPicPr>
+          <p:nvPr/>
+        </p:nvPicPr>
+        <p:blipFill>
+          <a:blip r:embed="rId4"/>
+          <a:stretch>
+            <a:fillRect/>
+          </a:stretch>
+        </p:blipFill>
+        <p:spPr>
+          <a:xfrm>
+            <a:off x="142354" y="6156407"/>
+            <a:ext cx="3734321" cy="685896"/>
+          </a:xfrm>
+          <a:prstGeom prst="rect">
+            <a:avLst/>
+          </a:prstGeom>
+        </p:spPr>
+      </p:pic>
+      <p:pic>
+        <p:nvPicPr>
+          <p:cNvPr id="7" name="图片 6">
+            <a:extLst>
+              <a:ext uri="{FF2B5EF4-FFF2-40B4-BE49-F238E27FC236}">
+                <a16:creationId xmlns:a16="http://schemas.microsoft.com/office/drawing/2014/main" id="{C07D91B3-7C3E-E69F-31E0-C4ECEA6A61E7}"/>
+              </a:ext>
+            </a:extLst>
+          </p:cNvPr>
+          <p:cNvPicPr>
+            <a:picLocks noChangeAspect="1"/>
+          </p:cNvPicPr>
+          <p:nvPr/>
+        </p:nvPicPr>
+        <p:blipFill>
+          <a:blip r:embed="rId5"/>
+          <a:stretch>
+            <a:fillRect/>
+          </a:stretch>
+        </p:blipFill>
+        <p:spPr>
+          <a:xfrm>
+            <a:off x="8991154" y="4603524"/>
+            <a:ext cx="2915057" cy="2048161"/>
+          </a:xfrm>
+          <a:prstGeom prst="rect">
+            <a:avLst/>
+          </a:prstGeom>
+        </p:spPr>
+      </p:pic>
+      <p:pic>
+        <p:nvPicPr>
+          <p:cNvPr id="8" name="图片 7">
+            <a:extLst>
+              <a:ext uri="{FF2B5EF4-FFF2-40B4-BE49-F238E27FC236}">
+                <a16:creationId xmlns:a16="http://schemas.microsoft.com/office/drawing/2014/main" id="{7E9B2551-1754-17B5-C621-1F79637D53B0}"/>
+              </a:ext>
+            </a:extLst>
+          </p:cNvPr>
+          <p:cNvPicPr>
+            <a:picLocks noChangeAspect="1"/>
+          </p:cNvPicPr>
+          <p:nvPr/>
+        </p:nvPicPr>
+        <p:blipFill>
+          <a:blip r:embed="rId6"/>
+          <a:stretch>
+            <a:fillRect/>
+          </a:stretch>
+        </p:blipFill>
+        <p:spPr>
+          <a:xfrm>
+            <a:off x="3876675" y="6017537"/>
+            <a:ext cx="4887007" cy="657317"/>
+          </a:xfrm>
+          <a:prstGeom prst="rect">
+            <a:avLst/>
+          </a:prstGeom>
+        </p:spPr>
+      </p:pic>
+    </p:spTree>
+    <p:extLst>
+      <p:ext uri="{BB962C8B-B14F-4D97-AF65-F5344CB8AC3E}">
+        <p14:creationId xmlns:p14="http://schemas.microsoft.com/office/powerpoint/2010/main" val="3316389678"/>
+      </p:ext>
+    </p:extLst>
+  </p:cSld>
+  <p:clrMapOvr>
+    <a:masterClrMapping/>
+  </p:clrMapOvr>
+</p:sld>
+</file>
+
+<file path=ppt/slides/slide21.xml><?xml version="1.0" encoding="utf-8"?>
+<p:sld xmlns:a="http://schemas.openxmlformats.org/drawingml/2006/main" xmlns:r="http://schemas.openxmlformats.org/officeDocument/2006/relationships" xmlns:p="http://schemas.openxmlformats.org/presentationml/2006/main">
+  <p:cSld>
+    <p:spTree>
+      <p:nvGrpSpPr>
+        <p:cNvPr id="1" name=""/>
+        <p:cNvGrpSpPr/>
+        <p:nvPr/>
+      </p:nvGrpSpPr>
+      <p:grpSpPr>
+        <a:xfrm>
+          <a:off x="0" y="0"/>
+          <a:ext cx="0" cy="0"/>
+          <a:chOff x="0" y="0"/>
+          <a:chExt cx="0" cy="0"/>
+        </a:xfrm>
+      </p:grpSpPr>
+      <p:sp>
+        <p:nvSpPr>
+          <p:cNvPr id="2" name="标题 1">
+            <a:extLst>
+              <a:ext uri="{FF2B5EF4-FFF2-40B4-BE49-F238E27FC236}">
+                <a16:creationId xmlns:a16="http://schemas.microsoft.com/office/drawing/2014/main" id="{E036E0B1-2A22-79A7-68D6-F90043C9B0B5}"/>
+              </a:ext>
+            </a:extLst>
+          </p:cNvPr>
+          <p:cNvSpPr>
+            <a:spLocks noGrp="1"/>
+          </p:cNvSpPr>
+          <p:nvPr>
+            <p:ph type="title"/>
+          </p:nvPr>
+        </p:nvSpPr>
+        <p:spPr/>
+        <p:txBody>
+          <a:bodyPr/>
+          <a:lstStyle/>
+          <a:p>
+            <a:endParaRPr lang="zh-CN" altLang="en-US" dirty="0"/>
+          </a:p>
+        </p:txBody>
+      </p:sp>
+      <p:sp>
+        <p:nvSpPr>
+          <p:cNvPr id="3" name="内容占位符 2">
+            <a:extLst>
+              <a:ext uri="{FF2B5EF4-FFF2-40B4-BE49-F238E27FC236}">
+                <a16:creationId xmlns:a16="http://schemas.microsoft.com/office/drawing/2014/main" id="{3A57E74A-3835-C94D-EDED-342D957AAD62}"/>
+              </a:ext>
+            </a:extLst>
+          </p:cNvPr>
+          <p:cNvSpPr>
+            <a:spLocks noGrp="1"/>
+          </p:cNvSpPr>
+          <p:nvPr>
+            <p:ph idx="1"/>
+          </p:nvPr>
+        </p:nvSpPr>
+        <p:spPr/>
+        <p:txBody>
+          <a:bodyPr/>
+          <a:lstStyle/>
+          <a:p>
+            <a:r>
+              <a:rPr lang="zh-CN" altLang="en-US" dirty="0"/>
+              <a:t>有标签数据用交叉熵；无标签数据之间用</a:t>
+            </a:r>
+            <a:r>
+              <a:rPr lang="en-US" altLang="zh-CN" dirty="0"/>
+              <a:t>KL</a:t>
+            </a:r>
+            <a:r>
+              <a:rPr lang="zh-CN" altLang="en-US" dirty="0"/>
+              <a:t>散度</a:t>
+            </a:r>
+            <a:r>
+              <a:rPr lang="en-US" altLang="zh-CN" dirty="0"/>
+              <a:t>*</a:t>
+            </a:r>
+            <a:r>
+              <a:rPr lang="zh-CN" altLang="en-US" dirty="0"/>
+              <a:t>副网络预测概率最大值的置信度（不太理解，文章中这个方法是借鉴某文献，应该是有知识没补到），这样除了从训练流程，从损失函数也能体现出互相；主副网络预测的有标签分布要相似，因为你总有真实标签可以参考；最后，无标签预测的类分布要和真实分布相似。</a:t>
+            </a:r>
+            <a:endParaRPr lang="en-US" altLang="zh-CN" dirty="0"/>
+          </a:p>
+          <a:p>
+            <a:endParaRPr lang="en-US" altLang="zh-CN" dirty="0"/>
+          </a:p>
+          <a:p>
+            <a:endParaRPr lang="en-US" altLang="zh-CN" dirty="0"/>
+          </a:p>
+          <a:p>
+            <a:r>
+              <a:rPr lang="zh-CN" altLang="en-US" dirty="0"/>
+              <a:t>两个不同初始化的相同结构网络实际上很难说能解决原生问题，为了强化理论上互相学习的信息交换，加入了上下文感知的方法</a:t>
+            </a:r>
+            <a:endParaRPr lang="en-US" altLang="zh-CN" dirty="0"/>
+          </a:p>
+          <a:p>
+            <a:endParaRPr lang="en-US" altLang="zh-CN" dirty="0"/>
+          </a:p>
+          <a:p>
+            <a:endParaRPr lang="zh-CN" altLang="en-US" dirty="0"/>
+          </a:p>
+        </p:txBody>
+      </p:sp>
+    </p:spTree>
+    <p:extLst>
+      <p:ext uri="{BB962C8B-B14F-4D97-AF65-F5344CB8AC3E}">
+        <p14:creationId xmlns:p14="http://schemas.microsoft.com/office/powerpoint/2010/main" val="676554593"/>
+      </p:ext>
+    </p:extLst>
+  </p:cSld>
+  <p:clrMapOvr>
+    <a:masterClrMapping/>
+  </p:clrMapOvr>
+</p:sld>
+</file>
+
+<file path=ppt/slides/slide22.xml><?xml version="1.0" encoding="utf-8"?>
+<p:sld xmlns:a="http://schemas.openxmlformats.org/drawingml/2006/main" xmlns:r="http://schemas.openxmlformats.org/officeDocument/2006/relationships" xmlns:p="http://schemas.openxmlformats.org/presentationml/2006/main">
+  <p:cSld>
+    <p:spTree>
+      <p:nvGrpSpPr>
+        <p:cNvPr id="1" name=""/>
+        <p:cNvGrpSpPr/>
+        <p:nvPr/>
+      </p:nvGrpSpPr>
+      <p:grpSpPr>
+        <a:xfrm>
+          <a:off x="0" y="0"/>
+          <a:ext cx="0" cy="0"/>
+          <a:chOff x="0" y="0"/>
+          <a:chExt cx="0" cy="0"/>
+        </a:xfrm>
+      </p:grpSpPr>
+      <p:sp>
+        <p:nvSpPr>
+          <p:cNvPr id="2" name="标题 1">
+            <a:extLst>
+              <a:ext uri="{FF2B5EF4-FFF2-40B4-BE49-F238E27FC236}">
+                <a16:creationId xmlns:a16="http://schemas.microsoft.com/office/drawing/2014/main" id="{44434432-6533-7641-594A-1EA4C15B157B}"/>
+              </a:ext>
+            </a:extLst>
+          </p:cNvPr>
+          <p:cNvSpPr>
+            <a:spLocks noGrp="1"/>
+          </p:cNvSpPr>
+          <p:nvPr>
+            <p:ph type="title"/>
+          </p:nvPr>
+        </p:nvSpPr>
+        <p:spPr/>
+        <p:txBody>
+          <a:bodyPr/>
+          <a:lstStyle/>
+          <a:p>
+            <a:endParaRPr lang="zh-CN" altLang="en-US"/>
+          </a:p>
+        </p:txBody>
+      </p:sp>
+      <p:sp>
+        <p:nvSpPr>
+          <p:cNvPr id="3" name="内容占位符 2">
+            <a:extLst>
+              <a:ext uri="{FF2B5EF4-FFF2-40B4-BE49-F238E27FC236}">
+                <a16:creationId xmlns:a16="http://schemas.microsoft.com/office/drawing/2014/main" id="{183679C7-C11E-8178-D848-D372B518E2AC}"/>
+              </a:ext>
+            </a:extLst>
+          </p:cNvPr>
+          <p:cNvSpPr>
+            <a:spLocks noGrp="1"/>
+          </p:cNvSpPr>
+          <p:nvPr>
+            <p:ph idx="1"/>
+          </p:nvPr>
+        </p:nvSpPr>
+        <p:spPr>
+          <a:xfrm>
+            <a:off x="838200" y="1825625"/>
+            <a:ext cx="4419600" cy="4351338"/>
+          </a:xfrm>
+        </p:spPr>
+        <p:txBody>
+          <a:bodyPr>
+            <a:normAutofit fontScale="92500" lnSpcReduction="20000"/>
+          </a:bodyPr>
+          <a:lstStyle/>
+          <a:p>
+            <a:r>
+              <a:rPr lang="zh-CN" altLang="en-US" dirty="0"/>
+              <a:t>图注意力方法聚合，聚合函数在文中用了四种相似函数（不展开）</a:t>
+            </a:r>
+            <a:endParaRPr lang="en-US" altLang="zh-CN" dirty="0"/>
+          </a:p>
+          <a:p>
+            <a:r>
+              <a:rPr lang="en-US" altLang="zh-CN" dirty="0"/>
+              <a:t>b</a:t>
+            </a:r>
+            <a:r>
+              <a:rPr lang="zh-CN" altLang="en-US" dirty="0"/>
+              <a:t>是序列，同一段时间同一个人录制的算一个序列</a:t>
+            </a:r>
+            <a:endParaRPr lang="en-US" altLang="zh-CN" dirty="0"/>
+          </a:p>
+          <a:p>
+            <a:r>
+              <a:rPr lang="en-US" altLang="zh-CN" dirty="0"/>
+              <a:t>a</a:t>
+            </a:r>
+            <a:r>
+              <a:rPr lang="zh-CN" altLang="en-US" dirty="0"/>
+              <a:t>是序列划分为的滑窗，按时间戳排序，</a:t>
+            </a:r>
+            <a:r>
+              <a:rPr lang="en-US" altLang="zh-CN" dirty="0"/>
+              <a:t>T</a:t>
+            </a:r>
+            <a:r>
+              <a:rPr lang="zh-CN" altLang="en-US" dirty="0"/>
+              <a:t>是滑窗范围，文中为</a:t>
+            </a:r>
+            <a:r>
+              <a:rPr lang="en-US" altLang="zh-CN" dirty="0"/>
+              <a:t>2</a:t>
+            </a:r>
+          </a:p>
+          <a:p>
+            <a:r>
+              <a:rPr lang="zh-CN" altLang="en-US" dirty="0"/>
+              <a:t>这个图是隐藏层特征</a:t>
+            </a:r>
+            <a:r>
+              <a:rPr lang="en-US" altLang="zh-CN" dirty="0"/>
+              <a:t>+</a:t>
+            </a:r>
+            <a:r>
+              <a:rPr lang="zh-CN" altLang="en-US" dirty="0"/>
+              <a:t>先验知识构造的，每个滑窗都会变成一幅小图，</a:t>
+            </a:r>
+            <a:endParaRPr lang="en-US" altLang="zh-CN" dirty="0"/>
+          </a:p>
+          <a:p>
+            <a:r>
+              <a:rPr lang="zh-CN" altLang="en-US"/>
+              <a:t>这样确实能考虑到上下文，符合标题的含义</a:t>
+            </a:r>
+            <a:endParaRPr lang="zh-CN" altLang="en-US" dirty="0"/>
+          </a:p>
+        </p:txBody>
+      </p:sp>
+      <p:pic>
+        <p:nvPicPr>
+          <p:cNvPr id="5" name="图片 4">
+            <a:extLst>
+              <a:ext uri="{FF2B5EF4-FFF2-40B4-BE49-F238E27FC236}">
+                <a16:creationId xmlns:a16="http://schemas.microsoft.com/office/drawing/2014/main" id="{2C40E486-CF19-1568-0A9F-0E9A189E1492}"/>
+              </a:ext>
+            </a:extLst>
+          </p:cNvPr>
+          <p:cNvPicPr>
+            <a:picLocks noChangeAspect="1"/>
+          </p:cNvPicPr>
+          <p:nvPr/>
+        </p:nvPicPr>
+        <p:blipFill>
+          <a:blip r:embed="rId2"/>
+          <a:stretch>
+            <a:fillRect/>
+          </a:stretch>
+        </p:blipFill>
+        <p:spPr>
+          <a:xfrm>
+            <a:off x="5185864" y="0"/>
+            <a:ext cx="7135221" cy="5649113"/>
+          </a:xfrm>
+          <a:prstGeom prst="rect">
+            <a:avLst/>
+          </a:prstGeom>
+        </p:spPr>
+      </p:pic>
+      <p:pic>
+        <p:nvPicPr>
+          <p:cNvPr id="7" name="图片 6">
+            <a:extLst>
+              <a:ext uri="{FF2B5EF4-FFF2-40B4-BE49-F238E27FC236}">
+                <a16:creationId xmlns:a16="http://schemas.microsoft.com/office/drawing/2014/main" id="{406A9D7F-136E-2D8E-74D9-5A9D8EE8B960}"/>
+              </a:ext>
+            </a:extLst>
+          </p:cNvPr>
+          <p:cNvPicPr>
+            <a:picLocks noChangeAspect="1"/>
+          </p:cNvPicPr>
+          <p:nvPr/>
+        </p:nvPicPr>
+        <p:blipFill>
+          <a:blip r:embed="rId3"/>
+          <a:stretch>
+            <a:fillRect/>
+          </a:stretch>
+        </p:blipFill>
+        <p:spPr>
+          <a:xfrm>
+            <a:off x="6026330" y="5649113"/>
+            <a:ext cx="5229955" cy="990738"/>
+          </a:xfrm>
+          <a:prstGeom prst="rect">
+            <a:avLst/>
+          </a:prstGeom>
+        </p:spPr>
+      </p:pic>
+    </p:spTree>
+    <p:extLst>
+      <p:ext uri="{BB962C8B-B14F-4D97-AF65-F5344CB8AC3E}">
+        <p14:creationId xmlns:p14="http://schemas.microsoft.com/office/powerpoint/2010/main" val="2045584572"/>
       </p:ext>
     </p:extLst>
   </p:cSld>
@@ -4369,6 +6588,165 @@
     <p:extLst>
       <p:ext uri="{BB962C8B-B14F-4D97-AF65-F5344CB8AC3E}">
         <p14:creationId xmlns:p14="http://schemas.microsoft.com/office/powerpoint/2010/main" val="2031063398"/>
+      </p:ext>
+    </p:extLst>
+  </p:cSld>
+  <p:clrMapOvr>
+    <a:masterClrMapping/>
+  </p:clrMapOvr>
+</p:sld>
+</file>
+
+<file path=ppt/slides/slide9.xml><?xml version="1.0" encoding="utf-8"?>
+<p:sld xmlns:a="http://schemas.openxmlformats.org/drawingml/2006/main" xmlns:r="http://schemas.openxmlformats.org/officeDocument/2006/relationships" xmlns:p="http://schemas.openxmlformats.org/presentationml/2006/main">
+  <p:cSld>
+    <p:spTree>
+      <p:nvGrpSpPr>
+        <p:cNvPr id="1" name=""/>
+        <p:cNvGrpSpPr/>
+        <p:nvPr/>
+      </p:nvGrpSpPr>
+      <p:grpSpPr>
+        <a:xfrm>
+          <a:off x="0" y="0"/>
+          <a:ext cx="0" cy="0"/>
+          <a:chOff x="0" y="0"/>
+          <a:chExt cx="0" cy="0"/>
+        </a:xfrm>
+      </p:grpSpPr>
+      <p:sp>
+        <p:nvSpPr>
+          <p:cNvPr id="2" name="标题 1">
+            <a:extLst>
+              <a:ext uri="{FF2B5EF4-FFF2-40B4-BE49-F238E27FC236}">
+                <a16:creationId xmlns:a16="http://schemas.microsoft.com/office/drawing/2014/main" id="{23E1541A-0EBC-01D1-1DD3-D39D2C1C0844}"/>
+              </a:ext>
+            </a:extLst>
+          </p:cNvPr>
+          <p:cNvSpPr>
+            <a:spLocks noGrp="1"/>
+          </p:cNvSpPr>
+          <p:nvPr>
+            <p:ph type="title"/>
+          </p:nvPr>
+        </p:nvSpPr>
+        <p:spPr/>
+        <p:txBody>
+          <a:bodyPr/>
+          <a:lstStyle/>
+          <a:p>
+            <a:r>
+              <a:rPr lang="zh-CN" altLang="en-US" dirty="0"/>
+              <a:t>近期</a:t>
+            </a:r>
+            <a:r>
+              <a:rPr lang="en-US" altLang="zh-CN" dirty="0"/>
+              <a:t>HAR</a:t>
+            </a:r>
+            <a:r>
+              <a:rPr lang="zh-CN" altLang="en-US" dirty="0"/>
+              <a:t>半监督方法</a:t>
+            </a:r>
+            <a:r>
+              <a:rPr lang="en-US" altLang="zh-CN" dirty="0"/>
+              <a:t>2021~2023</a:t>
+            </a:r>
+            <a:endParaRPr lang="zh-CN" altLang="en-US" dirty="0"/>
+          </a:p>
+        </p:txBody>
+      </p:sp>
+      <p:sp>
+        <p:nvSpPr>
+          <p:cNvPr id="3" name="内容占位符 2">
+            <a:extLst>
+              <a:ext uri="{FF2B5EF4-FFF2-40B4-BE49-F238E27FC236}">
+                <a16:creationId xmlns:a16="http://schemas.microsoft.com/office/drawing/2014/main" id="{14469FE5-3058-49AF-367A-4231E822D336}"/>
+              </a:ext>
+            </a:extLst>
+          </p:cNvPr>
+          <p:cNvSpPr>
+            <a:spLocks noGrp="1"/>
+          </p:cNvSpPr>
+          <p:nvPr>
+            <p:ph idx="1"/>
+          </p:nvPr>
+        </p:nvSpPr>
+        <p:spPr/>
+        <p:txBody>
+          <a:bodyPr>
+            <a:normAutofit/>
+          </a:bodyPr>
+          <a:lstStyle/>
+          <a:p>
+            <a:r>
+              <a:rPr lang="en-US" altLang="zh-CN" dirty="0"/>
+              <a:t>idea</a:t>
+            </a:r>
+            <a:r>
+              <a:rPr lang="zh-CN" altLang="en-US" dirty="0"/>
+              <a:t>大多来自文本分割和图像分类</a:t>
+            </a:r>
+            <a:endParaRPr lang="en-US" altLang="zh-CN" dirty="0"/>
+          </a:p>
+          <a:p>
+            <a:pPr marL="0" indent="0">
+              <a:buNone/>
+            </a:pPr>
+            <a:endParaRPr lang="en-US" altLang="zh-CN" dirty="0"/>
+          </a:p>
+          <a:p>
+            <a:r>
+              <a:rPr lang="zh-CN" altLang="en-US" dirty="0"/>
+              <a:t>伪标签角度，无标签数据会被赋予伪标签，会涉及生成</a:t>
+            </a:r>
+            <a:r>
+              <a:rPr lang="en-US" altLang="zh-CN" dirty="0"/>
+              <a:t>		</a:t>
+            </a:r>
+          </a:p>
+          <a:p>
+            <a:r>
+              <a:rPr lang="zh-CN" altLang="en-US" dirty="0"/>
+              <a:t>标签数据量角度，大量无标签数据和（尽可能少的）有标签数据共同优化网络结构，会涉及生成，还会涉及标签分布情况</a:t>
+            </a:r>
+            <a:endParaRPr lang="en-US" altLang="zh-CN" dirty="0"/>
+          </a:p>
+          <a:p>
+            <a:endParaRPr lang="en-US" altLang="zh-CN" dirty="0"/>
+          </a:p>
+          <a:p>
+            <a:pPr marL="0" indent="0">
+              <a:buNone/>
+            </a:pPr>
+            <a:endParaRPr lang="en-US" altLang="zh-CN" dirty="0"/>
+          </a:p>
+          <a:p>
+            <a:r>
+              <a:rPr lang="zh-CN" altLang="en-US" dirty="0"/>
+              <a:t>创新点主要集中于生成。生成的媒介：</a:t>
+            </a:r>
+            <a:r>
+              <a:rPr lang="en-US" altLang="zh-CN" dirty="0"/>
+              <a:t>VAE GAN</a:t>
+            </a:r>
+            <a:r>
+              <a:rPr lang="zh-CN" altLang="en-US" dirty="0"/>
+              <a:t>及其变体。生成的最优是创新点。生成的原料和出品也是创新点。</a:t>
+            </a:r>
+            <a:endParaRPr lang="en-US" altLang="zh-CN" dirty="0"/>
+          </a:p>
+          <a:p>
+            <a:endParaRPr lang="en-US" altLang="zh-CN" dirty="0"/>
+          </a:p>
+          <a:p>
+            <a:endParaRPr lang="en-US" altLang="zh-CN" dirty="0"/>
+          </a:p>
+        </p:txBody>
+      </p:sp>
+    </p:spTree>
+    <p:extLst>
+      <p:ext uri="{BB962C8B-B14F-4D97-AF65-F5344CB8AC3E}">
+        <p14:creationId xmlns:p14="http://schemas.microsoft.com/office/powerpoint/2010/main" val="1299802515"/>
       </p:ext>
     </p:extLst>
   </p:cSld>
